--- a/ESD_Onderzoek_Bart Brendeke_Emiel_Dreef_Klaas_van_der_Linden/ESD Presentatie RealTimeClock.pptx
+++ b/ESD_Onderzoek_Bart Brendeke_Emiel_Dreef_Klaas_van_der_Linden/ESD Presentatie RealTimeClock.pptx
@@ -620,7 +620,7 @@
           <a:p>
             <a:fld id="{407978F9-E225-44FC-B6D5-6C0BF9254ECD}" type="datetimeFigureOut">
               <a:rPr lang="nl-NL" smtClean="0"/>
-              <a:t>21-3-2018</a:t>
+              <a:t>24-5-2018</a:t>
             </a:fld>
             <a:endParaRPr lang="nl-NL"/>
           </a:p>
@@ -919,7 +919,7 @@
           <a:p>
             <a:fld id="{407978F9-E225-44FC-B6D5-6C0BF9254ECD}" type="datetimeFigureOut">
               <a:rPr lang="nl-NL" smtClean="0"/>
-              <a:t>21-3-2018</a:t>
+              <a:t>24-5-2018</a:t>
             </a:fld>
             <a:endParaRPr lang="nl-NL"/>
           </a:p>
@@ -1170,7 +1170,7 @@
           <a:p>
             <a:fld id="{407978F9-E225-44FC-B6D5-6C0BF9254ECD}" type="datetimeFigureOut">
               <a:rPr lang="nl-NL" smtClean="0"/>
-              <a:t>21-3-2018</a:t>
+              <a:t>24-5-2018</a:t>
             </a:fld>
             <a:endParaRPr lang="nl-NL"/>
           </a:p>
@@ -1713,7 +1713,7 @@
           <a:p>
             <a:fld id="{407978F9-E225-44FC-B6D5-6C0BF9254ECD}" type="datetimeFigureOut">
               <a:rPr lang="nl-NL" smtClean="0"/>
-              <a:t>21-3-2018</a:t>
+              <a:t>24-5-2018</a:t>
             </a:fld>
             <a:endParaRPr lang="nl-NL"/>
           </a:p>
@@ -1964,7 +1964,7 @@
           <a:p>
             <a:fld id="{407978F9-E225-44FC-B6D5-6C0BF9254ECD}" type="datetimeFigureOut">
               <a:rPr lang="nl-NL" smtClean="0"/>
-              <a:t>21-3-2018</a:t>
+              <a:t>24-5-2018</a:t>
             </a:fld>
             <a:endParaRPr lang="nl-NL"/>
           </a:p>
@@ -2499,7 +2499,7 @@
           <a:p>
             <a:fld id="{407978F9-E225-44FC-B6D5-6C0BF9254ECD}" type="datetimeFigureOut">
               <a:rPr lang="nl-NL" smtClean="0"/>
-              <a:t>21-3-2018</a:t>
+              <a:t>24-5-2018</a:t>
             </a:fld>
             <a:endParaRPr lang="nl-NL"/>
           </a:p>
@@ -2799,7 +2799,7 @@
           <a:p>
             <a:fld id="{407978F9-E225-44FC-B6D5-6C0BF9254ECD}" type="datetimeFigureOut">
               <a:rPr lang="nl-NL" smtClean="0"/>
-              <a:t>21-3-2018</a:t>
+              <a:t>24-5-2018</a:t>
             </a:fld>
             <a:endParaRPr lang="nl-NL"/>
           </a:p>
@@ -2976,7 +2976,7 @@
           <a:p>
             <a:fld id="{407978F9-E225-44FC-B6D5-6C0BF9254ECD}" type="datetimeFigureOut">
               <a:rPr lang="nl-NL" smtClean="0"/>
-              <a:t>21-3-2018</a:t>
+              <a:t>24-5-2018</a:t>
             </a:fld>
             <a:endParaRPr lang="nl-NL"/>
           </a:p>
@@ -3159,7 +3159,7 @@
           <a:p>
             <a:fld id="{407978F9-E225-44FC-B6D5-6C0BF9254ECD}" type="datetimeFigureOut">
               <a:rPr lang="nl-NL" smtClean="0"/>
-              <a:t>21-3-2018</a:t>
+              <a:t>24-5-2018</a:t>
             </a:fld>
             <a:endParaRPr lang="nl-NL"/>
           </a:p>
@@ -3332,7 +3332,7 @@
           <a:p>
             <a:fld id="{407978F9-E225-44FC-B6D5-6C0BF9254ECD}" type="datetimeFigureOut">
               <a:rPr lang="nl-NL" smtClean="0"/>
-              <a:t>21-3-2018</a:t>
+              <a:t>24-5-2018</a:t>
             </a:fld>
             <a:endParaRPr lang="nl-NL"/>
           </a:p>
@@ -3586,7 +3586,7 @@
           <a:p>
             <a:fld id="{407978F9-E225-44FC-B6D5-6C0BF9254ECD}" type="datetimeFigureOut">
               <a:rPr lang="nl-NL" smtClean="0"/>
-              <a:t>21-3-2018</a:t>
+              <a:t>24-5-2018</a:t>
             </a:fld>
             <a:endParaRPr lang="nl-NL"/>
           </a:p>
@@ -3886,7 +3886,7 @@
           <a:p>
             <a:fld id="{407978F9-E225-44FC-B6D5-6C0BF9254ECD}" type="datetimeFigureOut">
               <a:rPr lang="nl-NL" smtClean="0"/>
-              <a:t>21-3-2018</a:t>
+              <a:t>24-5-2018</a:t>
             </a:fld>
             <a:endParaRPr lang="nl-NL"/>
           </a:p>
@@ -4331,7 +4331,7 @@
           <a:p>
             <a:fld id="{407978F9-E225-44FC-B6D5-6C0BF9254ECD}" type="datetimeFigureOut">
               <a:rPr lang="nl-NL" smtClean="0"/>
-              <a:t>21-3-2018</a:t>
+              <a:t>24-5-2018</a:t>
             </a:fld>
             <a:endParaRPr lang="nl-NL"/>
           </a:p>
@@ -4452,7 +4452,7 @@
           <a:p>
             <a:fld id="{407978F9-E225-44FC-B6D5-6C0BF9254ECD}" type="datetimeFigureOut">
               <a:rPr lang="nl-NL" smtClean="0"/>
-              <a:t>21-3-2018</a:t>
+              <a:t>24-5-2018</a:t>
             </a:fld>
             <a:endParaRPr lang="nl-NL"/>
           </a:p>
@@ -4550,7 +4550,7 @@
           <a:p>
             <a:fld id="{407978F9-E225-44FC-B6D5-6C0BF9254ECD}" type="datetimeFigureOut">
               <a:rPr lang="nl-NL" smtClean="0"/>
-              <a:t>21-3-2018</a:t>
+              <a:t>24-5-2018</a:t>
             </a:fld>
             <a:endParaRPr lang="nl-NL"/>
           </a:p>
@@ -4836,7 +4836,7 @@
           <a:p>
             <a:fld id="{407978F9-E225-44FC-B6D5-6C0BF9254ECD}" type="datetimeFigureOut">
               <a:rPr lang="nl-NL" smtClean="0"/>
-              <a:t>21-3-2018</a:t>
+              <a:t>24-5-2018</a:t>
             </a:fld>
             <a:endParaRPr lang="nl-NL"/>
           </a:p>
@@ -5130,7 +5130,7 @@
           <a:p>
             <a:fld id="{407978F9-E225-44FC-B6D5-6C0BF9254ECD}" type="datetimeFigureOut">
               <a:rPr lang="nl-NL" smtClean="0"/>
-              <a:t>21-3-2018</a:t>
+              <a:t>24-5-2018</a:t>
             </a:fld>
             <a:endParaRPr lang="nl-NL"/>
           </a:p>
@@ -5663,7 +5663,7 @@
           <a:p>
             <a:fld id="{407978F9-E225-44FC-B6D5-6C0BF9254ECD}" type="datetimeFigureOut">
               <a:rPr lang="nl-NL" smtClean="0"/>
-              <a:t>21-3-2018</a:t>
+              <a:t>24-5-2018</a:t>
             </a:fld>
             <a:endParaRPr lang="nl-NL"/>
           </a:p>
@@ -6256,7 +6256,7 @@
           <a:p>
             <a:r>
               <a:rPr lang="nl-NL" dirty="0"/>
-              <a:t>Bart Brendeke, Emiel Dreef &amp; Klaas van der Linden</a:t>
+              <a:t>Bart Brendeke &amp; Klaas van der Linden</a:t>
             </a:r>
           </a:p>
         </p:txBody>
@@ -6538,12 +6538,6 @@
           <a:p>
             <a:r>
               <a:rPr lang="nl-NL" dirty="0"/>
-              <a:t>Emiel: minder nerveuze tikjes tijdens de presentatie.</a:t>
-            </a:r>
-          </a:p>
-          <a:p>
-            <a:r>
-              <a:rPr lang="nl-NL" dirty="0"/>
               <a:t>Klaas: minder snel praten.</a:t>
             </a:r>
           </a:p>
@@ -6661,92 +6655,6 @@
       </p:sp>
       <p:pic>
         <p:nvPicPr>
-          <p:cNvPr id="5" name="Afbeelding 4" descr="Afbeeldingsresultaat voor RTC DS1307 uses">
-            <a:extLst>
-              <a:ext uri="{FF2B5EF4-FFF2-40B4-BE49-F238E27FC236}">
-                <a16:creationId xmlns:a16="http://schemas.microsoft.com/office/drawing/2014/main" id="{4CEA4D09-791C-4499-A0EF-6654786453FB}"/>
-              </a:ext>
-            </a:extLst>
-          </p:cNvPr>
-          <p:cNvPicPr/>
-          <p:nvPr/>
-        </p:nvPicPr>
-        <p:blipFill>
-          <a:blip r:embed="rId2">
-            <a:extLst>
-              <a:ext uri="{28A0092B-C50C-407E-A947-70E740481C1C}">
-                <a14:useLocalDpi xmlns:a14="http://schemas.microsoft.com/office/drawing/2010/main" val="0"/>
-              </a:ext>
-            </a:extLst>
-          </a:blip>
-          <a:srcRect/>
-          <a:stretch>
-            <a:fillRect/>
-          </a:stretch>
-        </p:blipFill>
-        <p:spPr bwMode="auto">
-          <a:xfrm>
-            <a:off x="1484310" y="2144927"/>
-            <a:ext cx="6387239" cy="2674723"/>
-          </a:xfrm>
-          <a:prstGeom prst="rect">
-            <a:avLst/>
-          </a:prstGeom>
-          <a:noFill/>
-          <a:ln>
-            <a:noFill/>
-          </a:ln>
-        </p:spPr>
-      </p:pic>
-      <p:pic>
-        <p:nvPicPr>
-          <p:cNvPr id="1028" name="Picture 4" descr="Afbeeldingsresultaat voor wasmachine">
-            <a:extLst>
-              <a:ext uri="{FF2B5EF4-FFF2-40B4-BE49-F238E27FC236}">
-                <a16:creationId xmlns:a16="http://schemas.microsoft.com/office/drawing/2014/main" id="{DEFBC75A-EF7D-4779-822B-33077A7381E8}"/>
-              </a:ext>
-            </a:extLst>
-          </p:cNvPr>
-          <p:cNvPicPr>
-            <a:picLocks noChangeAspect="1" noChangeArrowheads="1"/>
-          </p:cNvPicPr>
-          <p:nvPr/>
-        </p:nvPicPr>
-        <p:blipFill>
-          <a:blip r:embed="rId3">
-            <a:extLst>
-              <a:ext uri="{28A0092B-C50C-407E-A947-70E740481C1C}">
-                <a14:useLocalDpi xmlns:a14="http://schemas.microsoft.com/office/drawing/2010/main" val="0"/>
-              </a:ext>
-            </a:extLst>
-          </a:blip>
-          <a:srcRect/>
-          <a:stretch>
-            <a:fillRect/>
-          </a:stretch>
-        </p:blipFill>
-        <p:spPr bwMode="auto">
-          <a:xfrm>
-            <a:off x="9023280" y="2305356"/>
-            <a:ext cx="2272360" cy="3012149"/>
-          </a:xfrm>
-          <a:prstGeom prst="rect">
-            <a:avLst/>
-          </a:prstGeom>
-          <a:noFill/>
-          <a:extLst>
-            <a:ext uri="{909E8E84-426E-40DD-AFC4-6F175D3DCCD1}">
-              <a14:hiddenFill xmlns:a14="http://schemas.microsoft.com/office/drawing/2010/main">
-                <a:solidFill>
-                  <a:srgbClr val="FFFFFF"/>
-                </a:solidFill>
-              </a14:hiddenFill>
-            </a:ext>
-          </a:extLst>
-        </p:spPr>
-      </p:pic>
-      <p:pic>
-        <p:nvPicPr>
           <p:cNvPr id="4098" name="Picture 2" descr="Afbeeldingsresultaat voor rtc arduino">
             <a:extLst>
               <a:ext uri="{FF2B5EF4-FFF2-40B4-BE49-F238E27FC236}">
@@ -6760,11 +6668,11 @@
           <p:nvPr/>
         </p:nvPicPr>
         <p:blipFill>
-          <a:blip r:embed="rId4">
+          <a:blip r:embed="rId2">
             <a:extLst>
               <a:ext uri="{BEBA8EAE-BF5A-486C-A8C5-ECC9F3942E4B}">
                 <a14:imgProps xmlns:a14="http://schemas.microsoft.com/office/drawing/2010/main">
-                  <a14:imgLayer r:embed="rId5">
+                  <a14:imgLayer r:embed="rId3">
                     <a14:imgEffect>
                       <a14:backgroundRemoval t="9864" b="89796" l="5435" r="96087">
                         <a14:foregroundMark x1="10870" y1="31633" x2="10870" y2="31633"/>
@@ -6820,6 +6728,100 @@
           </a:extLst>
         </p:spPr>
       </p:pic>
+      <p:pic>
+        <p:nvPicPr>
+          <p:cNvPr id="1026" name="Picture 2" descr="Afbeeldingsresultaat voor personal computer">
+            <a:extLst>
+              <a:ext uri="{FF2B5EF4-FFF2-40B4-BE49-F238E27FC236}">
+                <a16:creationId xmlns:a16="http://schemas.microsoft.com/office/drawing/2014/main" id="{8C55B6F6-112D-4C8E-BC36-6179A2D620A4}"/>
+              </a:ext>
+            </a:extLst>
+          </p:cNvPr>
+          <p:cNvPicPr>
+            <a:picLocks noChangeAspect="1" noChangeArrowheads="1"/>
+          </p:cNvPicPr>
+          <p:nvPr/>
+        </p:nvPicPr>
+        <p:blipFill>
+          <a:blip r:embed="rId4">
+            <a:extLst>
+              <a:ext uri="{28A0092B-C50C-407E-A947-70E740481C1C}">
+                <a14:useLocalDpi xmlns:a14="http://schemas.microsoft.com/office/drawing/2010/main" val="0"/>
+              </a:ext>
+            </a:extLst>
+          </a:blip>
+          <a:srcRect/>
+          <a:stretch>
+            <a:fillRect/>
+          </a:stretch>
+        </p:blipFill>
+        <p:spPr bwMode="auto">
+          <a:xfrm flipH="1">
+            <a:off x="7890012" y="2521677"/>
+            <a:ext cx="3494943" cy="3257550"/>
+          </a:xfrm>
+          <a:prstGeom prst="rect">
+            <a:avLst/>
+          </a:prstGeom>
+          <a:noFill/>
+          <a:extLst>
+            <a:ext uri="{909E8E84-426E-40DD-AFC4-6F175D3DCCD1}">
+              <a14:hiddenFill xmlns:a14="http://schemas.microsoft.com/office/drawing/2010/main">
+                <a:solidFill>
+                  <a:srgbClr val="FFFFFF"/>
+                </a:solidFill>
+              </a14:hiddenFill>
+            </a:ext>
+          </a:extLst>
+        </p:spPr>
+      </p:pic>
+      <p:pic>
+        <p:nvPicPr>
+          <p:cNvPr id="3074" name="Picture 2" descr="Afbeeldingsresultaat voor raspberry pi 3">
+            <a:extLst>
+              <a:ext uri="{FF2B5EF4-FFF2-40B4-BE49-F238E27FC236}">
+                <a16:creationId xmlns:a16="http://schemas.microsoft.com/office/drawing/2014/main" id="{87B0768B-D95C-4A6E-B303-03F4AA4B2E18}"/>
+              </a:ext>
+            </a:extLst>
+          </p:cNvPr>
+          <p:cNvPicPr>
+            <a:picLocks noChangeAspect="1" noChangeArrowheads="1"/>
+          </p:cNvPicPr>
+          <p:nvPr/>
+        </p:nvPicPr>
+        <p:blipFill>
+          <a:blip r:embed="rId5">
+            <a:extLst>
+              <a:ext uri="{28A0092B-C50C-407E-A947-70E740481C1C}">
+                <a14:useLocalDpi xmlns:a14="http://schemas.microsoft.com/office/drawing/2010/main" val="0"/>
+              </a:ext>
+            </a:extLst>
+          </a:blip>
+          <a:srcRect/>
+          <a:stretch>
+            <a:fillRect/>
+          </a:stretch>
+        </p:blipFill>
+        <p:spPr bwMode="auto">
+          <a:xfrm>
+            <a:off x="2446732" y="2343150"/>
+            <a:ext cx="3381375" cy="2171700"/>
+          </a:xfrm>
+          <a:prstGeom prst="rect">
+            <a:avLst/>
+          </a:prstGeom>
+          <a:noFill/>
+          <a:extLst>
+            <a:ext uri="{909E8E84-426E-40DD-AFC4-6F175D3DCCD1}">
+              <a14:hiddenFill xmlns:a14="http://schemas.microsoft.com/office/drawing/2010/main">
+                <a:solidFill>
+                  <a:srgbClr val="FFFFFF"/>
+                </a:solidFill>
+              </a14:hiddenFill>
+            </a:ext>
+          </a:extLst>
+        </p:spPr>
+      </p:pic>
     </p:spTree>
     <p:extLst>
       <p:ext uri="{BB962C8B-B14F-4D97-AF65-F5344CB8AC3E}">
@@ -6881,12 +6883,68 @@
           </a:p>
         </p:txBody>
       </p:sp>
+      <p:pic>
+        <p:nvPicPr>
+          <p:cNvPr id="2050" name="Picture 2" descr="Afbeeldingsresultaat voor arduino uno">
+            <a:extLst>
+              <a:ext uri="{FF2B5EF4-FFF2-40B4-BE49-F238E27FC236}">
+                <a16:creationId xmlns:a16="http://schemas.microsoft.com/office/drawing/2014/main" id="{725A8F74-E7E6-4CC3-8F73-A91A71DCEABD}"/>
+              </a:ext>
+            </a:extLst>
+          </p:cNvPr>
+          <p:cNvPicPr>
+            <a:picLocks noChangeAspect="1" noChangeArrowheads="1"/>
+          </p:cNvPicPr>
+          <p:nvPr/>
+        </p:nvPicPr>
+        <p:blipFill>
+          <a:blip r:embed="rId2">
+            <a:extLst>
+              <a:ext uri="{BEBA8EAE-BF5A-486C-A8C5-ECC9F3942E4B}">
+                <a14:imgProps xmlns:a14="http://schemas.microsoft.com/office/drawing/2010/main">
+                  <a14:imgLayer r:embed="rId3">
+                    <a14:imgEffect>
+                      <a14:backgroundRemoval t="10000" b="90000" l="10000" r="90000"/>
+                    </a14:imgEffect>
+                  </a14:imgLayer>
+                </a14:imgProps>
+              </a:ext>
+              <a:ext uri="{28A0092B-C50C-407E-A947-70E740481C1C}">
+                <a14:useLocalDpi xmlns:a14="http://schemas.microsoft.com/office/drawing/2010/main" val="0"/>
+              </a:ext>
+            </a:extLst>
+          </a:blip>
+          <a:srcRect/>
+          <a:stretch>
+            <a:fillRect/>
+          </a:stretch>
+        </p:blipFill>
+        <p:spPr bwMode="auto">
+          <a:xfrm>
+            <a:off x="7599285" y="2364486"/>
+            <a:ext cx="4901583" cy="3078194"/>
+          </a:xfrm>
+          <a:prstGeom prst="rect">
+            <a:avLst/>
+          </a:prstGeom>
+          <a:noFill/>
+          <a:extLst>
+            <a:ext uri="{909E8E84-426E-40DD-AFC4-6F175D3DCCD1}">
+              <a14:hiddenFill xmlns:a14="http://schemas.microsoft.com/office/drawing/2010/main">
+                <a:solidFill>
+                  <a:srgbClr val="FFFFFF"/>
+                </a:solidFill>
+              </a14:hiddenFill>
+            </a:ext>
+          </a:extLst>
+        </p:spPr>
+      </p:pic>
       <p:graphicFrame>
         <p:nvGraphicFramePr>
-          <p:cNvPr id="4" name="Tijdelijke aanduiding voor inhoud 3">
+          <p:cNvPr id="8" name="Tabel 7">
             <a:extLst>
               <a:ext uri="{FF2B5EF4-FFF2-40B4-BE49-F238E27FC236}">
-                <a16:creationId xmlns:a16="http://schemas.microsoft.com/office/drawing/2014/main" id="{DF05B352-79F4-49BB-AC75-7B94558776AD}"/>
+                <a16:creationId xmlns:a16="http://schemas.microsoft.com/office/drawing/2014/main" id="{6154C243-D2F5-4AAC-8F3B-4504B81E74C4}"/>
               </a:ext>
             </a:extLst>
           </p:cNvPr>
@@ -6894,55 +6952,40 @@
             <a:graphicFrameLocks noGrp="1"/>
           </p:cNvGraphicFramePr>
           <p:nvPr>
-            <p:ph idx="1"/>
             <p:extLst>
               <p:ext uri="{D42A27DB-BD31-4B8C-83A1-F6EECF244321}">
-                <p14:modId xmlns:p14="http://schemas.microsoft.com/office/powerpoint/2010/main" val="1020313668"/>
+                <p14:modId xmlns:p14="http://schemas.microsoft.com/office/powerpoint/2010/main" val="4280108194"/>
               </p:ext>
             </p:extLst>
           </p:nvPr>
         </p:nvGraphicFramePr>
         <p:xfrm>
-          <a:off x="1484311" y="2744531"/>
-          <a:ext cx="6956822" cy="2698149"/>
+          <a:off x="1380393" y="2690246"/>
+          <a:ext cx="2737539" cy="2233448"/>
         </p:xfrm>
         <a:graphic>
           <a:graphicData uri="http://schemas.openxmlformats.org/drawingml/2006/table">
             <a:tbl>
               <a:tblPr firstRow="1" firstCol="1" bandRow="1">
-                <a:tableStyleId>{5C22544A-7EE6-4342-B048-85BDC9FD1C3A}</a:tableStyleId>
+                <a:tableStyleId>{B301B821-A1FF-4177-AEE7-76D212191A09}</a:tableStyleId>
               </a:tblPr>
               <a:tblGrid>
-                <a:gridCol w="1802540">
+                <a:gridCol w="1438642">
                   <a:extLst>
                     <a:ext uri="{9D8B030D-6E8A-4147-A177-3AD203B41FA5}">
-                      <a16:colId xmlns:a16="http://schemas.microsoft.com/office/drawing/2014/main" val="3337691733"/>
+                      <a16:colId xmlns:a16="http://schemas.microsoft.com/office/drawing/2014/main" val="3294032492"/>
                     </a:ext>
                   </a:extLst>
                 </a:gridCol>
-                <a:gridCol w="1710417">
+                <a:gridCol w="1298897">
                   <a:extLst>
                     <a:ext uri="{9D8B030D-6E8A-4147-A177-3AD203B41FA5}">
-                      <a16:colId xmlns:a16="http://schemas.microsoft.com/office/drawing/2014/main" val="3909135915"/>
-                    </a:ext>
-                  </a:extLst>
-                </a:gridCol>
-                <a:gridCol w="1926906">
-                  <a:extLst>
-                    <a:ext uri="{9D8B030D-6E8A-4147-A177-3AD203B41FA5}">
-                      <a16:colId xmlns:a16="http://schemas.microsoft.com/office/drawing/2014/main" val="1276592412"/>
-                    </a:ext>
-                  </a:extLst>
-                </a:gridCol>
-                <a:gridCol w="1516959">
-                  <a:extLst>
-                    <a:ext uri="{9D8B030D-6E8A-4147-A177-3AD203B41FA5}">
-                      <a16:colId xmlns:a16="http://schemas.microsoft.com/office/drawing/2014/main" val="2247131218"/>
+                      <a16:colId xmlns:a16="http://schemas.microsoft.com/office/drawing/2014/main" val="3762080755"/>
                     </a:ext>
                   </a:extLst>
                 </a:gridCol>
               </a:tblGrid>
-              <a:tr h="224846">
+              <a:tr h="274748">
                 <a:tc>
                   <a:txBody>
                     <a:bodyPr/>
@@ -6980,64 +7023,12 @@
                         </a:spcAft>
                       </a:pPr>
                       <a:r>
-                        <a:rPr lang="nl-NL" sz="1100">
+                        <a:rPr lang="nl-NL" sz="1100" dirty="0">
                           <a:effectLst/>
                         </a:rPr>
                         <a:t>DS1307</a:t>
                       </a:r>
-                      <a:endParaRPr lang="nl-NL" sz="1100">
-                        <a:effectLst/>
-                        <a:latin typeface="Calibri" panose="020F0502020204030204" pitchFamily="34" charset="0"/>
-                        <a:ea typeface="Calibri" panose="020F0502020204030204" pitchFamily="34" charset="0"/>
-                        <a:cs typeface="Times New Roman" panose="02020603050405020304" pitchFamily="18" charset="0"/>
-                      </a:endParaRPr>
-                    </a:p>
-                  </a:txBody>
-                  <a:tcPr marL="68580" marR="68580" marT="0" marB="0"/>
-                </a:tc>
-                <a:tc>
-                  <a:txBody>
-                    <a:bodyPr/>
-                    <a:lstStyle/>
-                    <a:p>
-                      <a:pPr>
-                        <a:spcAft>
-                          <a:spcPts val="0"/>
-                        </a:spcAft>
-                      </a:pPr>
-                      <a:r>
-                        <a:rPr lang="nl-NL" sz="1100">
-                          <a:effectLst/>
-                        </a:rPr>
-                        <a:t>DS3231</a:t>
-                      </a:r>
-                      <a:endParaRPr lang="nl-NL" sz="1100">
-                        <a:effectLst/>
-                        <a:latin typeface="Calibri" panose="020F0502020204030204" pitchFamily="34" charset="0"/>
-                        <a:ea typeface="Calibri" panose="020F0502020204030204" pitchFamily="34" charset="0"/>
-                        <a:cs typeface="Times New Roman" panose="02020603050405020304" pitchFamily="18" charset="0"/>
-                      </a:endParaRPr>
-                    </a:p>
-                  </a:txBody>
-                  <a:tcPr marL="68580" marR="68580" marT="0" marB="0"/>
-                </a:tc>
-                <a:tc>
-                  <a:txBody>
-                    <a:bodyPr/>
-                    <a:lstStyle/>
-                    <a:p>
-                      <a:pPr>
-                        <a:spcAft>
-                          <a:spcPts val="0"/>
-                        </a:spcAft>
-                      </a:pPr>
-                      <a:r>
-                        <a:rPr lang="nl-NL" sz="1100">
-                          <a:effectLst/>
-                        </a:rPr>
-                        <a:t>WiFi-shield</a:t>
-                      </a:r>
-                      <a:endParaRPr lang="nl-NL" sz="1100">
+                      <a:endParaRPr lang="nl-NL" sz="1100" dirty="0">
                         <a:effectLst/>
                         <a:latin typeface="Calibri" panose="020F0502020204030204" pitchFamily="34" charset="0"/>
                         <a:ea typeface="Calibri" panose="020F0502020204030204" pitchFamily="34" charset="0"/>
@@ -7049,11 +7040,11 @@
                 </a:tc>
                 <a:extLst>
                   <a:ext uri="{0D108BD9-81ED-4DB2-BD59-A6C34878D82A}">
-                    <a16:rowId xmlns:a16="http://schemas.microsoft.com/office/drawing/2014/main" val="473928143"/>
+                    <a16:rowId xmlns:a16="http://schemas.microsoft.com/office/drawing/2014/main" val="3203632589"/>
                   </a:ext>
                 </a:extLst>
               </a:tr>
-              <a:tr h="224846">
+              <a:tr h="326450">
                 <a:tc>
                   <a:txBody>
                     <a:bodyPr/>
@@ -7106,65 +7097,13 @@
                   </a:txBody>
                   <a:tcPr marL="68580" marR="68580" marT="0" marB="0"/>
                 </a:tc>
-                <a:tc>
-                  <a:txBody>
-                    <a:bodyPr/>
-                    <a:lstStyle/>
-                    <a:p>
-                      <a:pPr>
-                        <a:spcAft>
-                          <a:spcPts val="0"/>
-                        </a:spcAft>
-                      </a:pPr>
-                      <a:r>
-                        <a:rPr lang="nl-NL" sz="1100" dirty="0">
-                          <a:effectLst/>
-                        </a:rPr>
-                        <a:t>~2,25</a:t>
-                      </a:r>
-                      <a:endParaRPr lang="nl-NL" sz="1100" dirty="0">
-                        <a:effectLst/>
-                        <a:latin typeface="Calibri" panose="020F0502020204030204" pitchFamily="34" charset="0"/>
-                        <a:ea typeface="Calibri" panose="020F0502020204030204" pitchFamily="34" charset="0"/>
-                        <a:cs typeface="Times New Roman" panose="02020603050405020304" pitchFamily="18" charset="0"/>
-                      </a:endParaRPr>
-                    </a:p>
-                  </a:txBody>
-                  <a:tcPr marL="68580" marR="68580" marT="0" marB="0"/>
-                </a:tc>
-                <a:tc>
-                  <a:txBody>
-                    <a:bodyPr/>
-                    <a:lstStyle/>
-                    <a:p>
-                      <a:pPr>
-                        <a:spcAft>
-                          <a:spcPts val="0"/>
-                        </a:spcAft>
-                      </a:pPr>
-                      <a:r>
-                        <a:rPr lang="nl-NL" sz="1100">
-                          <a:effectLst/>
-                        </a:rPr>
-                        <a:t>~80,00</a:t>
-                      </a:r>
-                      <a:endParaRPr lang="nl-NL" sz="1100">
-                        <a:effectLst/>
-                        <a:latin typeface="Calibri" panose="020F0502020204030204" pitchFamily="34" charset="0"/>
-                        <a:ea typeface="Calibri" panose="020F0502020204030204" pitchFamily="34" charset="0"/>
-                        <a:cs typeface="Times New Roman" panose="02020603050405020304" pitchFamily="18" charset="0"/>
-                      </a:endParaRPr>
-                    </a:p>
-                  </a:txBody>
-                  <a:tcPr marL="68580" marR="68580" marT="0" marB="0"/>
-                </a:tc>
                 <a:extLst>
                   <a:ext uri="{0D108BD9-81ED-4DB2-BD59-A6C34878D82A}">
-                    <a16:rowId xmlns:a16="http://schemas.microsoft.com/office/drawing/2014/main" val="1401231231"/>
+                    <a16:rowId xmlns:a16="http://schemas.microsoft.com/office/drawing/2014/main" val="3838525292"/>
                   </a:ext>
                 </a:extLst>
               </a:tr>
-              <a:tr h="224846">
+              <a:tr h="326450">
                 <a:tc>
                   <a:txBody>
                     <a:bodyPr/>
@@ -7202,64 +7141,12 @@
                         </a:spcAft>
                       </a:pPr>
                       <a:r>
-                        <a:rPr lang="nl-NL" sz="1100">
+                        <a:rPr lang="nl-NL" sz="1100" dirty="0">
                           <a:effectLst/>
                         </a:rPr>
                         <a:t>2,8cm X 2,7cm</a:t>
                       </a:r>
-                      <a:endParaRPr lang="nl-NL" sz="1100">
-                        <a:effectLst/>
-                        <a:latin typeface="Calibri" panose="020F0502020204030204" pitchFamily="34" charset="0"/>
-                        <a:ea typeface="Calibri" panose="020F0502020204030204" pitchFamily="34" charset="0"/>
-                        <a:cs typeface="Times New Roman" panose="02020603050405020304" pitchFamily="18" charset="0"/>
-                      </a:endParaRPr>
-                    </a:p>
-                  </a:txBody>
-                  <a:tcPr marL="68580" marR="68580" marT="0" marB="0"/>
-                </a:tc>
-                <a:tc>
-                  <a:txBody>
-                    <a:bodyPr/>
-                    <a:lstStyle/>
-                    <a:p>
-                      <a:pPr>
-                        <a:spcAft>
-                          <a:spcPts val="0"/>
-                        </a:spcAft>
-                      </a:pPr>
-                      <a:r>
-                        <a:rPr lang="nl-NL" sz="1100">
-                          <a:effectLst/>
-                        </a:rPr>
-                        <a:t>3,8cm X 2,2cm</a:t>
-                      </a:r>
-                      <a:endParaRPr lang="nl-NL" sz="1100">
-                        <a:effectLst/>
-                        <a:latin typeface="Calibri" panose="020F0502020204030204" pitchFamily="34" charset="0"/>
-                        <a:ea typeface="Calibri" panose="020F0502020204030204" pitchFamily="34" charset="0"/>
-                        <a:cs typeface="Times New Roman" panose="02020603050405020304" pitchFamily="18" charset="0"/>
-                      </a:endParaRPr>
-                    </a:p>
-                  </a:txBody>
-                  <a:tcPr marL="68580" marR="68580" marT="0" marB="0"/>
-                </a:tc>
-                <a:tc>
-                  <a:txBody>
-                    <a:bodyPr/>
-                    <a:lstStyle/>
-                    <a:p>
-                      <a:pPr>
-                        <a:spcAft>
-                          <a:spcPts val="0"/>
-                        </a:spcAft>
-                      </a:pPr>
-                      <a:r>
-                        <a:rPr lang="nl-NL" sz="1100">
-                          <a:effectLst/>
-                        </a:rPr>
-                        <a:t>8,0cm X 6,0 cm</a:t>
-                      </a:r>
-                      <a:endParaRPr lang="nl-NL" sz="1100">
+                      <a:endParaRPr lang="nl-NL" sz="1100" dirty="0">
                         <a:effectLst/>
                         <a:latin typeface="Calibri" panose="020F0502020204030204" pitchFamily="34" charset="0"/>
                         <a:ea typeface="Calibri" panose="020F0502020204030204" pitchFamily="34" charset="0"/>
@@ -7271,11 +7158,11 @@
                 </a:tc>
                 <a:extLst>
                   <a:ext uri="{0D108BD9-81ED-4DB2-BD59-A6C34878D82A}">
-                    <a16:rowId xmlns:a16="http://schemas.microsoft.com/office/drawing/2014/main" val="2702785732"/>
+                    <a16:rowId xmlns:a16="http://schemas.microsoft.com/office/drawing/2014/main" val="3935961262"/>
                   </a:ext>
                 </a:extLst>
               </a:tr>
-              <a:tr h="449691">
+              <a:tr h="326450">
                 <a:tc>
                   <a:txBody>
                     <a:bodyPr/>
@@ -7328,65 +7215,13 @@
                   </a:txBody>
                   <a:tcPr marL="68580" marR="68580" marT="0" marB="0"/>
                 </a:tc>
-                <a:tc>
-                  <a:txBody>
-                    <a:bodyPr/>
-                    <a:lstStyle/>
-                    <a:p>
-                      <a:pPr>
-                        <a:spcAft>
-                          <a:spcPts val="0"/>
-                        </a:spcAft>
-                      </a:pPr>
-                      <a:r>
-                        <a:rPr lang="nl-NL" sz="1100">
-                          <a:effectLst/>
-                        </a:rPr>
-                        <a:t>32K</a:t>
-                      </a:r>
-                      <a:endParaRPr lang="nl-NL" sz="1100">
-                        <a:effectLst/>
-                        <a:latin typeface="Calibri" panose="020F0502020204030204" pitchFamily="34" charset="0"/>
-                        <a:ea typeface="Calibri" panose="020F0502020204030204" pitchFamily="34" charset="0"/>
-                        <a:cs typeface="Times New Roman" panose="02020603050405020304" pitchFamily="18" charset="0"/>
-                      </a:endParaRPr>
-                    </a:p>
-                  </a:txBody>
-                  <a:tcPr marL="68580" marR="68580" marT="0" marB="0"/>
-                </a:tc>
-                <a:tc>
-                  <a:txBody>
-                    <a:bodyPr/>
-                    <a:lstStyle/>
-                    <a:p>
-                      <a:pPr>
-                        <a:spcAft>
-                          <a:spcPts val="0"/>
-                        </a:spcAft>
-                      </a:pPr>
-                      <a:r>
-                        <a:rPr lang="nl-NL" sz="1100">
-                          <a:effectLst/>
-                        </a:rPr>
-                        <a:t>Uitbreidbare SD-kaart slot.</a:t>
-                      </a:r>
-                      <a:endParaRPr lang="nl-NL" sz="1100">
-                        <a:effectLst/>
-                        <a:latin typeface="Calibri" panose="020F0502020204030204" pitchFamily="34" charset="0"/>
-                        <a:ea typeface="Calibri" panose="020F0502020204030204" pitchFamily="34" charset="0"/>
-                        <a:cs typeface="Times New Roman" panose="02020603050405020304" pitchFamily="18" charset="0"/>
-                      </a:endParaRPr>
-                    </a:p>
-                  </a:txBody>
-                  <a:tcPr marL="68580" marR="68580" marT="0" marB="0"/>
-                </a:tc>
                 <a:extLst>
                   <a:ext uri="{0D108BD9-81ED-4DB2-BD59-A6C34878D82A}">
-                    <a16:rowId xmlns:a16="http://schemas.microsoft.com/office/drawing/2014/main" val="2740743506"/>
+                    <a16:rowId xmlns:a16="http://schemas.microsoft.com/office/drawing/2014/main" val="3729329541"/>
                   </a:ext>
                 </a:extLst>
               </a:tr>
-              <a:tr h="224846">
+              <a:tr h="326450">
                 <a:tc>
                   <a:txBody>
                     <a:bodyPr/>
@@ -7424,12 +7259,12 @@
                         </a:spcAft>
                       </a:pPr>
                       <a:r>
-                        <a:rPr lang="nl-NL" sz="1100">
+                        <a:rPr lang="nl-NL" sz="1100" dirty="0">
                           <a:effectLst/>
                         </a:rPr>
                         <a:t>2100</a:t>
                       </a:r>
-                      <a:endParaRPr lang="nl-NL" sz="1100">
+                      <a:endParaRPr lang="nl-NL" sz="1100" dirty="0">
                         <a:effectLst/>
                         <a:latin typeface="Calibri" panose="020F0502020204030204" pitchFamily="34" charset="0"/>
                         <a:ea typeface="Calibri" panose="020F0502020204030204" pitchFamily="34" charset="0"/>
@@ -7439,6 +7274,13 @@
                   </a:txBody>
                   <a:tcPr marL="68580" marR="68580" marT="0" marB="0"/>
                 </a:tc>
+                <a:extLst>
+                  <a:ext uri="{0D108BD9-81ED-4DB2-BD59-A6C34878D82A}">
+                    <a16:rowId xmlns:a16="http://schemas.microsoft.com/office/drawing/2014/main" val="2624795304"/>
+                  </a:ext>
+                </a:extLst>
+              </a:tr>
+              <a:tr h="326450">
                 <a:tc>
                   <a:txBody>
                     <a:bodyPr/>
@@ -7453,66 +7295,7 @@
                         <a:rPr lang="nl-NL" sz="1100">
                           <a:effectLst/>
                         </a:rPr>
-                        <a:t>2100</a:t>
-                      </a:r>
-                      <a:endParaRPr lang="nl-NL" sz="1100">
-                        <a:effectLst/>
-                        <a:latin typeface="Calibri" panose="020F0502020204030204" pitchFamily="34" charset="0"/>
-                        <a:ea typeface="Calibri" panose="020F0502020204030204" pitchFamily="34" charset="0"/>
-                        <a:cs typeface="Times New Roman" panose="02020603050405020304" pitchFamily="18" charset="0"/>
-                      </a:endParaRPr>
-                    </a:p>
-                  </a:txBody>
-                  <a:tcPr marL="68580" marR="68580" marT="0" marB="0"/>
-                </a:tc>
-                <a:tc>
-                  <a:txBody>
-                    <a:bodyPr/>
-                    <a:lstStyle/>
-                    <a:p>
-                      <a:pPr>
-                        <a:spcAft>
-                          <a:spcPts val="0"/>
-                        </a:spcAft>
-                      </a:pPr>
-                      <a:r>
-                        <a:rPr lang="nl-NL" sz="1100">
-                          <a:effectLst/>
-                        </a:rPr>
-                        <a:t>nvt</a:t>
-                      </a:r>
-                      <a:endParaRPr lang="nl-NL" sz="1100">
-                        <a:effectLst/>
-                        <a:latin typeface="Calibri" panose="020F0502020204030204" pitchFamily="34" charset="0"/>
-                        <a:ea typeface="Calibri" panose="020F0502020204030204" pitchFamily="34" charset="0"/>
-                        <a:cs typeface="Times New Roman" panose="02020603050405020304" pitchFamily="18" charset="0"/>
-                      </a:endParaRPr>
-                    </a:p>
-                  </a:txBody>
-                  <a:tcPr marL="68580" marR="68580" marT="0" marB="0"/>
-                </a:tc>
-                <a:extLst>
-                  <a:ext uri="{0D108BD9-81ED-4DB2-BD59-A6C34878D82A}">
-                    <a16:rowId xmlns:a16="http://schemas.microsoft.com/office/drawing/2014/main" val="927480443"/>
-                  </a:ext>
-                </a:extLst>
-              </a:tr>
-              <a:tr h="224846">
-                <a:tc>
-                  <a:txBody>
-                    <a:bodyPr/>
-                    <a:lstStyle/>
-                    <a:p>
-                      <a:pPr>
-                        <a:spcAft>
-                          <a:spcPts val="0"/>
-                        </a:spcAft>
-                      </a:pPr>
-                      <a:r>
-                        <a:rPr lang="nl-NL" sz="1100">
-                          <a:effectLst/>
-                        </a:rPr>
-                        <a:t>Snelheid</a:t>
+                        <a:t>Nauwkeurigheid</a:t>
                       </a:r>
                       <a:endParaRPr lang="nl-NL" sz="1100">
                         <a:effectLst/>
@@ -7550,65 +7333,13 @@
                   </a:txBody>
                   <a:tcPr marL="68580" marR="68580" marT="0" marB="0"/>
                 </a:tc>
-                <a:tc>
-                  <a:txBody>
-                    <a:bodyPr/>
-                    <a:lstStyle/>
-                    <a:p>
-                      <a:pPr>
-                        <a:spcAft>
-                          <a:spcPts val="0"/>
-                        </a:spcAft>
-                      </a:pPr>
-                      <a:r>
-                        <a:rPr lang="nl-NL" sz="1100">
-                          <a:effectLst/>
-                        </a:rPr>
-                        <a:t>400 kHz</a:t>
-                      </a:r>
-                      <a:endParaRPr lang="nl-NL" sz="1100">
-                        <a:effectLst/>
-                        <a:latin typeface="Calibri" panose="020F0502020204030204" pitchFamily="34" charset="0"/>
-                        <a:ea typeface="Calibri" panose="020F0502020204030204" pitchFamily="34" charset="0"/>
-                        <a:cs typeface="Times New Roman" panose="02020603050405020304" pitchFamily="18" charset="0"/>
-                      </a:endParaRPr>
-                    </a:p>
-                  </a:txBody>
-                  <a:tcPr marL="68580" marR="68580" marT="0" marB="0"/>
-                </a:tc>
-                <a:tc>
-                  <a:txBody>
-                    <a:bodyPr/>
-                    <a:lstStyle/>
-                    <a:p>
-                      <a:pPr>
-                        <a:spcAft>
-                          <a:spcPts val="0"/>
-                        </a:spcAft>
-                      </a:pPr>
-                      <a:r>
-                        <a:rPr lang="nl-NL" sz="1100">
-                          <a:effectLst/>
-                        </a:rPr>
-                        <a:t>802,11b/g netwerk</a:t>
-                      </a:r>
-                      <a:endParaRPr lang="nl-NL" sz="1100">
-                        <a:effectLst/>
-                        <a:latin typeface="Calibri" panose="020F0502020204030204" pitchFamily="34" charset="0"/>
-                        <a:ea typeface="Calibri" panose="020F0502020204030204" pitchFamily="34" charset="0"/>
-                        <a:cs typeface="Times New Roman" panose="02020603050405020304" pitchFamily="18" charset="0"/>
-                      </a:endParaRPr>
-                    </a:p>
-                  </a:txBody>
-                  <a:tcPr marL="68580" marR="68580" marT="0" marB="0"/>
-                </a:tc>
                 <a:extLst>
                   <a:ext uri="{0D108BD9-81ED-4DB2-BD59-A6C34878D82A}">
-                    <a16:rowId xmlns:a16="http://schemas.microsoft.com/office/drawing/2014/main" val="423664056"/>
+                    <a16:rowId xmlns:a16="http://schemas.microsoft.com/office/drawing/2014/main" val="3792352607"/>
                   </a:ext>
                 </a:extLst>
               </a:tr>
-              <a:tr h="1124228">
+              <a:tr h="326450">
                 <a:tc>
                   <a:txBody>
                     <a:bodyPr/>
@@ -7646,6 +7377,494 @@
                         </a:spcAft>
                       </a:pPr>
                       <a:r>
+                        <a:rPr lang="nl-NL" sz="1100" dirty="0" err="1">
+                          <a:effectLst/>
+                        </a:rPr>
+                        <a:t>nvt</a:t>
+                      </a:r>
+                      <a:endParaRPr lang="nl-NL" sz="1100" dirty="0">
+                        <a:effectLst/>
+                        <a:latin typeface="Calibri" panose="020F0502020204030204" pitchFamily="34" charset="0"/>
+                        <a:ea typeface="Calibri" panose="020F0502020204030204" pitchFamily="34" charset="0"/>
+                        <a:cs typeface="Times New Roman" panose="02020603050405020304" pitchFamily="18" charset="0"/>
+                      </a:endParaRPr>
+                    </a:p>
+                  </a:txBody>
+                  <a:tcPr marL="68580" marR="68580" marT="0" marB="0"/>
+                </a:tc>
+                <a:extLst>
+                  <a:ext uri="{0D108BD9-81ED-4DB2-BD59-A6C34878D82A}">
+                    <a16:rowId xmlns:a16="http://schemas.microsoft.com/office/drawing/2014/main" val="1208284861"/>
+                  </a:ext>
+                </a:extLst>
+              </a:tr>
+            </a:tbl>
+          </a:graphicData>
+        </a:graphic>
+      </p:graphicFrame>
+      <p:graphicFrame>
+        <p:nvGraphicFramePr>
+          <p:cNvPr id="9" name="Tabel 8">
+            <a:extLst>
+              <a:ext uri="{FF2B5EF4-FFF2-40B4-BE49-F238E27FC236}">
+                <a16:creationId xmlns:a16="http://schemas.microsoft.com/office/drawing/2014/main" id="{6F1B276F-8AEB-4226-BC29-C5FA590C1DD9}"/>
+              </a:ext>
+            </a:extLst>
+          </p:cNvPr>
+          <p:cNvGraphicFramePr>
+            <a:graphicFrameLocks noGrp="1"/>
+          </p:cNvGraphicFramePr>
+          <p:nvPr>
+            <p:extLst>
+              <p:ext uri="{D42A27DB-BD31-4B8C-83A1-F6EECF244321}">
+                <p14:modId xmlns:p14="http://schemas.microsoft.com/office/powerpoint/2010/main" val="1840322901"/>
+              </p:ext>
+            </p:extLst>
+          </p:nvPr>
+        </p:nvGraphicFramePr>
+        <p:xfrm>
+          <a:off x="4117932" y="2690246"/>
+          <a:ext cx="1380392" cy="2233449"/>
+        </p:xfrm>
+        <a:graphic>
+          <a:graphicData uri="http://schemas.openxmlformats.org/drawingml/2006/table">
+            <a:tbl>
+              <a:tblPr firstRow="1" firstCol="1" bandRow="1">
+                <a:tableStyleId>{B301B821-A1FF-4177-AEE7-76D212191A09}</a:tableStyleId>
+              </a:tblPr>
+              <a:tblGrid>
+                <a:gridCol w="1380392">
+                  <a:extLst>
+                    <a:ext uri="{9D8B030D-6E8A-4147-A177-3AD203B41FA5}">
+                      <a16:colId xmlns:a16="http://schemas.microsoft.com/office/drawing/2014/main" val="2608069163"/>
+                    </a:ext>
+                  </a:extLst>
+                </a:gridCol>
+              </a:tblGrid>
+              <a:tr h="203041">
+                <a:tc>
+                  <a:txBody>
+                    <a:bodyPr/>
+                    <a:lstStyle/>
+                    <a:p>
+                      <a:pPr>
+                        <a:spcAft>
+                          <a:spcPts val="0"/>
+                        </a:spcAft>
+                      </a:pPr>
+                      <a:r>
+                        <a:rPr lang="nl-NL" sz="1100" dirty="0">
+                          <a:effectLst/>
+                        </a:rPr>
+                        <a:t>DS3231</a:t>
+                      </a:r>
+                      <a:endParaRPr lang="nl-NL" sz="1100" dirty="0">
+                        <a:effectLst/>
+                        <a:latin typeface="Calibri" panose="020F0502020204030204" pitchFamily="34" charset="0"/>
+                        <a:ea typeface="Calibri" panose="020F0502020204030204" pitchFamily="34" charset="0"/>
+                        <a:cs typeface="Times New Roman" panose="02020603050405020304" pitchFamily="18" charset="0"/>
+                      </a:endParaRPr>
+                    </a:p>
+                  </a:txBody>
+                  <a:tcPr marL="68580" marR="68580" marT="0" marB="0"/>
+                </a:tc>
+                <a:extLst>
+                  <a:ext uri="{0D108BD9-81ED-4DB2-BD59-A6C34878D82A}">
+                    <a16:rowId xmlns:a16="http://schemas.microsoft.com/office/drawing/2014/main" val="2540764891"/>
+                  </a:ext>
+                </a:extLst>
+              </a:tr>
+              <a:tr h="203041">
+                <a:tc>
+                  <a:txBody>
+                    <a:bodyPr/>
+                    <a:lstStyle/>
+                    <a:p>
+                      <a:pPr>
+                        <a:spcAft>
+                          <a:spcPts val="0"/>
+                        </a:spcAft>
+                      </a:pPr>
+                      <a:r>
+                        <a:rPr lang="nl-NL" sz="1100" dirty="0">
+                          <a:effectLst/>
+                        </a:rPr>
+                        <a:t>~2,25</a:t>
+                      </a:r>
+                      <a:endParaRPr lang="nl-NL" sz="1100" dirty="0">
+                        <a:effectLst/>
+                        <a:latin typeface="Calibri" panose="020F0502020204030204" pitchFamily="34" charset="0"/>
+                        <a:ea typeface="Calibri" panose="020F0502020204030204" pitchFamily="34" charset="0"/>
+                        <a:cs typeface="Times New Roman" panose="02020603050405020304" pitchFamily="18" charset="0"/>
+                      </a:endParaRPr>
+                    </a:p>
+                  </a:txBody>
+                  <a:tcPr marL="68580" marR="68580" marT="0" marB="0"/>
+                </a:tc>
+                <a:extLst>
+                  <a:ext uri="{0D108BD9-81ED-4DB2-BD59-A6C34878D82A}">
+                    <a16:rowId xmlns:a16="http://schemas.microsoft.com/office/drawing/2014/main" val="1856609512"/>
+                  </a:ext>
+                </a:extLst>
+              </a:tr>
+              <a:tr h="203041">
+                <a:tc>
+                  <a:txBody>
+                    <a:bodyPr/>
+                    <a:lstStyle/>
+                    <a:p>
+                      <a:pPr>
+                        <a:spcAft>
+                          <a:spcPts val="0"/>
+                        </a:spcAft>
+                      </a:pPr>
+                      <a:r>
+                        <a:rPr lang="nl-NL" sz="1100" dirty="0">
+                          <a:effectLst/>
+                        </a:rPr>
+                        <a:t>3,8cm X 2,2cm</a:t>
+                      </a:r>
+                      <a:endParaRPr lang="nl-NL" sz="1100" dirty="0">
+                        <a:effectLst/>
+                        <a:latin typeface="Calibri" panose="020F0502020204030204" pitchFamily="34" charset="0"/>
+                        <a:ea typeface="Calibri" panose="020F0502020204030204" pitchFamily="34" charset="0"/>
+                        <a:cs typeface="Times New Roman" panose="02020603050405020304" pitchFamily="18" charset="0"/>
+                      </a:endParaRPr>
+                    </a:p>
+                  </a:txBody>
+                  <a:tcPr marL="68580" marR="68580" marT="0" marB="0"/>
+                </a:tc>
+                <a:extLst>
+                  <a:ext uri="{0D108BD9-81ED-4DB2-BD59-A6C34878D82A}">
+                    <a16:rowId xmlns:a16="http://schemas.microsoft.com/office/drawing/2014/main" val="1849366926"/>
+                  </a:ext>
+                </a:extLst>
+              </a:tr>
+              <a:tr h="203041">
+                <a:tc>
+                  <a:txBody>
+                    <a:bodyPr/>
+                    <a:lstStyle/>
+                    <a:p>
+                      <a:pPr>
+                        <a:spcAft>
+                          <a:spcPts val="0"/>
+                        </a:spcAft>
+                      </a:pPr>
+                      <a:r>
+                        <a:rPr lang="nl-NL" sz="1100" dirty="0">
+                          <a:effectLst/>
+                        </a:rPr>
+                        <a:t>32K</a:t>
+                      </a:r>
+                      <a:endParaRPr lang="nl-NL" sz="1100" dirty="0">
+                        <a:effectLst/>
+                        <a:latin typeface="Calibri" panose="020F0502020204030204" pitchFamily="34" charset="0"/>
+                        <a:ea typeface="Calibri" panose="020F0502020204030204" pitchFamily="34" charset="0"/>
+                        <a:cs typeface="Times New Roman" panose="02020603050405020304" pitchFamily="18" charset="0"/>
+                      </a:endParaRPr>
+                    </a:p>
+                  </a:txBody>
+                  <a:tcPr marL="68580" marR="68580" marT="0" marB="0"/>
+                </a:tc>
+                <a:extLst>
+                  <a:ext uri="{0D108BD9-81ED-4DB2-BD59-A6C34878D82A}">
+                    <a16:rowId xmlns:a16="http://schemas.microsoft.com/office/drawing/2014/main" val="3344497952"/>
+                  </a:ext>
+                </a:extLst>
+              </a:tr>
+              <a:tr h="203041">
+                <a:tc>
+                  <a:txBody>
+                    <a:bodyPr/>
+                    <a:lstStyle/>
+                    <a:p>
+                      <a:pPr>
+                        <a:spcAft>
+                          <a:spcPts val="0"/>
+                        </a:spcAft>
+                      </a:pPr>
+                      <a:r>
+                        <a:rPr lang="nl-NL" sz="1100" dirty="0">
+                          <a:effectLst/>
+                        </a:rPr>
+                        <a:t>2100</a:t>
+                      </a:r>
+                      <a:endParaRPr lang="nl-NL" sz="1100" dirty="0">
+                        <a:effectLst/>
+                        <a:latin typeface="Calibri" panose="020F0502020204030204" pitchFamily="34" charset="0"/>
+                        <a:ea typeface="Calibri" panose="020F0502020204030204" pitchFamily="34" charset="0"/>
+                        <a:cs typeface="Times New Roman" panose="02020603050405020304" pitchFamily="18" charset="0"/>
+                      </a:endParaRPr>
+                    </a:p>
+                  </a:txBody>
+                  <a:tcPr marL="68580" marR="68580" marT="0" marB="0"/>
+                </a:tc>
+                <a:extLst>
+                  <a:ext uri="{0D108BD9-81ED-4DB2-BD59-A6C34878D82A}">
+                    <a16:rowId xmlns:a16="http://schemas.microsoft.com/office/drawing/2014/main" val="4192465558"/>
+                  </a:ext>
+                </a:extLst>
+              </a:tr>
+              <a:tr h="203041">
+                <a:tc>
+                  <a:txBody>
+                    <a:bodyPr/>
+                    <a:lstStyle/>
+                    <a:p>
+                      <a:pPr>
+                        <a:spcAft>
+                          <a:spcPts val="0"/>
+                        </a:spcAft>
+                      </a:pPr>
+                      <a:r>
+                        <a:rPr lang="nl-NL" sz="1100" dirty="0">
+                          <a:effectLst/>
+                        </a:rPr>
+                        <a:t>400 kHz</a:t>
+                      </a:r>
+                      <a:endParaRPr lang="nl-NL" sz="1100" dirty="0">
+                        <a:effectLst/>
+                        <a:latin typeface="Calibri" panose="020F0502020204030204" pitchFamily="34" charset="0"/>
+                        <a:ea typeface="Calibri" panose="020F0502020204030204" pitchFamily="34" charset="0"/>
+                        <a:cs typeface="Times New Roman" panose="02020603050405020304" pitchFamily="18" charset="0"/>
+                      </a:endParaRPr>
+                    </a:p>
+                  </a:txBody>
+                  <a:tcPr marL="68580" marR="68580" marT="0" marB="0"/>
+                </a:tc>
+                <a:extLst>
+                  <a:ext uri="{0D108BD9-81ED-4DB2-BD59-A6C34878D82A}">
+                    <a16:rowId xmlns:a16="http://schemas.microsoft.com/office/drawing/2014/main" val="2466664405"/>
+                  </a:ext>
+                </a:extLst>
+              </a:tr>
+              <a:tr h="1015203">
+                <a:tc>
+                  <a:txBody>
+                    <a:bodyPr/>
+                    <a:lstStyle/>
+                    <a:p>
+                      <a:pPr>
+                        <a:spcAft>
+                          <a:spcPts val="0"/>
+                        </a:spcAft>
+                      </a:pPr>
+                      <a:r>
+                        <a:rPr lang="nl-NL" sz="1100" dirty="0">
+                          <a:effectLst/>
+                        </a:rPr>
+                        <a:t>Geïntegreerde temperatuur gecompenseerd kristaloscillator (TCXO) </a:t>
+                      </a:r>
+                      <a:r>
+                        <a:rPr lang="nl-NL" sz="1100" dirty="0" err="1">
+                          <a:effectLst/>
+                        </a:rPr>
+                        <a:t>aanboord</a:t>
+                      </a:r>
+                      <a:endParaRPr lang="nl-NL" sz="1100" dirty="0">
+                        <a:effectLst/>
+                        <a:latin typeface="Calibri" panose="020F0502020204030204" pitchFamily="34" charset="0"/>
+                        <a:ea typeface="Calibri" panose="020F0502020204030204" pitchFamily="34" charset="0"/>
+                        <a:cs typeface="Times New Roman" panose="02020603050405020304" pitchFamily="18" charset="0"/>
+                      </a:endParaRPr>
+                    </a:p>
+                  </a:txBody>
+                  <a:tcPr marL="68580" marR="68580" marT="0" marB="0"/>
+                </a:tc>
+                <a:extLst>
+                  <a:ext uri="{0D108BD9-81ED-4DB2-BD59-A6C34878D82A}">
+                    <a16:rowId xmlns:a16="http://schemas.microsoft.com/office/drawing/2014/main" val="3217183426"/>
+                  </a:ext>
+                </a:extLst>
+              </a:tr>
+            </a:tbl>
+          </a:graphicData>
+        </a:graphic>
+      </p:graphicFrame>
+      <p:graphicFrame>
+        <p:nvGraphicFramePr>
+          <p:cNvPr id="10" name="Tabel 9">
+            <a:extLst>
+              <a:ext uri="{FF2B5EF4-FFF2-40B4-BE49-F238E27FC236}">
+                <a16:creationId xmlns:a16="http://schemas.microsoft.com/office/drawing/2014/main" id="{B4BF92C2-B7F8-4EE7-BFC1-179BF75CC9D1}"/>
+              </a:ext>
+            </a:extLst>
+          </p:cNvPr>
+          <p:cNvGraphicFramePr>
+            <a:graphicFrameLocks noGrp="1"/>
+          </p:cNvGraphicFramePr>
+          <p:nvPr>
+            <p:extLst>
+              <p:ext uri="{D42A27DB-BD31-4B8C-83A1-F6EECF244321}">
+                <p14:modId xmlns:p14="http://schemas.microsoft.com/office/powerpoint/2010/main" val="1003853780"/>
+              </p:ext>
+            </p:extLst>
+          </p:nvPr>
+        </p:nvGraphicFramePr>
+        <p:xfrm>
+          <a:off x="5427749" y="2690246"/>
+          <a:ext cx="1118235" cy="2233448"/>
+        </p:xfrm>
+        <a:graphic>
+          <a:graphicData uri="http://schemas.openxmlformats.org/drawingml/2006/table">
+            <a:tbl>
+              <a:tblPr firstRow="1" firstCol="1" bandRow="1">
+                <a:tableStyleId>{B301B821-A1FF-4177-AEE7-76D212191A09}</a:tableStyleId>
+              </a:tblPr>
+              <a:tblGrid>
+                <a:gridCol w="1118235">
+                  <a:extLst>
+                    <a:ext uri="{9D8B030D-6E8A-4147-A177-3AD203B41FA5}">
+                      <a16:colId xmlns:a16="http://schemas.microsoft.com/office/drawing/2014/main" val="3301476380"/>
+                    </a:ext>
+                  </a:extLst>
+                </a:gridCol>
+              </a:tblGrid>
+              <a:tr h="171804">
+                <a:tc>
+                  <a:txBody>
+                    <a:bodyPr/>
+                    <a:lstStyle/>
+                    <a:p>
+                      <a:pPr>
+                        <a:spcAft>
+                          <a:spcPts val="0"/>
+                        </a:spcAft>
+                      </a:pPr>
+                      <a:r>
+                        <a:rPr lang="nl-NL" sz="1100" dirty="0" err="1">
+                          <a:effectLst/>
+                        </a:rPr>
+                        <a:t>WiFi-shield</a:t>
+                      </a:r>
+                      <a:endParaRPr lang="nl-NL" sz="1100" dirty="0">
+                        <a:effectLst/>
+                        <a:latin typeface="Calibri" panose="020F0502020204030204" pitchFamily="34" charset="0"/>
+                        <a:ea typeface="Calibri" panose="020F0502020204030204" pitchFamily="34" charset="0"/>
+                        <a:cs typeface="Times New Roman" panose="02020603050405020304" pitchFamily="18" charset="0"/>
+                      </a:endParaRPr>
+                    </a:p>
+                  </a:txBody>
+                  <a:tcPr marL="68580" marR="68580" marT="0" marB="0"/>
+                </a:tc>
+                <a:extLst>
+                  <a:ext uri="{0D108BD9-81ED-4DB2-BD59-A6C34878D82A}">
+                    <a16:rowId xmlns:a16="http://schemas.microsoft.com/office/drawing/2014/main" val="44217706"/>
+                  </a:ext>
+                </a:extLst>
+              </a:tr>
+              <a:tr h="171804">
+                <a:tc>
+                  <a:txBody>
+                    <a:bodyPr/>
+                    <a:lstStyle/>
+                    <a:p>
+                      <a:pPr>
+                        <a:spcAft>
+                          <a:spcPts val="0"/>
+                        </a:spcAft>
+                      </a:pPr>
+                      <a:r>
+                        <a:rPr lang="nl-NL" sz="1100">
+                          <a:effectLst/>
+                        </a:rPr>
+                        <a:t>~80,00</a:t>
+                      </a:r>
+                      <a:endParaRPr lang="nl-NL" sz="1100">
+                        <a:effectLst/>
+                        <a:latin typeface="Calibri" panose="020F0502020204030204" pitchFamily="34" charset="0"/>
+                        <a:ea typeface="Calibri" panose="020F0502020204030204" pitchFamily="34" charset="0"/>
+                        <a:cs typeface="Times New Roman" panose="02020603050405020304" pitchFamily="18" charset="0"/>
+                      </a:endParaRPr>
+                    </a:p>
+                  </a:txBody>
+                  <a:tcPr marL="68580" marR="68580" marT="0" marB="0"/>
+                </a:tc>
+                <a:extLst>
+                  <a:ext uri="{0D108BD9-81ED-4DB2-BD59-A6C34878D82A}">
+                    <a16:rowId xmlns:a16="http://schemas.microsoft.com/office/drawing/2014/main" val="2442980145"/>
+                  </a:ext>
+                </a:extLst>
+              </a:tr>
+              <a:tr h="171804">
+                <a:tc>
+                  <a:txBody>
+                    <a:bodyPr/>
+                    <a:lstStyle/>
+                    <a:p>
+                      <a:pPr>
+                        <a:spcAft>
+                          <a:spcPts val="0"/>
+                        </a:spcAft>
+                      </a:pPr>
+                      <a:r>
+                        <a:rPr lang="nl-NL" sz="1100">
+                          <a:effectLst/>
+                        </a:rPr>
+                        <a:t>8,0cm X 6,0 cm</a:t>
+                      </a:r>
+                      <a:endParaRPr lang="nl-NL" sz="1100">
+                        <a:effectLst/>
+                        <a:latin typeface="Calibri" panose="020F0502020204030204" pitchFamily="34" charset="0"/>
+                        <a:ea typeface="Calibri" panose="020F0502020204030204" pitchFamily="34" charset="0"/>
+                        <a:cs typeface="Times New Roman" panose="02020603050405020304" pitchFamily="18" charset="0"/>
+                      </a:endParaRPr>
+                    </a:p>
+                  </a:txBody>
+                  <a:tcPr marL="68580" marR="68580" marT="0" marB="0"/>
+                </a:tc>
+                <a:extLst>
+                  <a:ext uri="{0D108BD9-81ED-4DB2-BD59-A6C34878D82A}">
+                    <a16:rowId xmlns:a16="http://schemas.microsoft.com/office/drawing/2014/main" val="3039448027"/>
+                  </a:ext>
+                </a:extLst>
+              </a:tr>
+              <a:tr h="343607">
+                <a:tc>
+                  <a:txBody>
+                    <a:bodyPr/>
+                    <a:lstStyle/>
+                    <a:p>
+                      <a:pPr>
+                        <a:spcAft>
+                          <a:spcPts val="0"/>
+                        </a:spcAft>
+                      </a:pPr>
+                      <a:r>
+                        <a:rPr lang="nl-NL" sz="1100" dirty="0">
+                          <a:effectLst/>
+                        </a:rPr>
+                        <a:t>Uitbreidbare SD-kaart slot.</a:t>
+                      </a:r>
+                      <a:endParaRPr lang="nl-NL" sz="1100" dirty="0">
+                        <a:effectLst/>
+                        <a:latin typeface="Calibri" panose="020F0502020204030204" pitchFamily="34" charset="0"/>
+                        <a:ea typeface="Calibri" panose="020F0502020204030204" pitchFamily="34" charset="0"/>
+                        <a:cs typeface="Times New Roman" panose="02020603050405020304" pitchFamily="18" charset="0"/>
+                      </a:endParaRPr>
+                    </a:p>
+                  </a:txBody>
+                  <a:tcPr marL="68580" marR="68580" marT="0" marB="0"/>
+                </a:tc>
+                <a:extLst>
+                  <a:ext uri="{0D108BD9-81ED-4DB2-BD59-A6C34878D82A}">
+                    <a16:rowId xmlns:a16="http://schemas.microsoft.com/office/drawing/2014/main" val="3213682457"/>
+                  </a:ext>
+                </a:extLst>
+              </a:tr>
+              <a:tr h="171804">
+                <a:tc>
+                  <a:txBody>
+                    <a:bodyPr/>
+                    <a:lstStyle/>
+                    <a:p>
+                      <a:pPr>
+                        <a:spcAft>
+                          <a:spcPts val="0"/>
+                        </a:spcAft>
+                      </a:pPr>
+                      <a:r>
                         <a:rPr lang="nl-NL" sz="1100">
                           <a:effectLst/>
                         </a:rPr>
@@ -7661,6 +7880,13 @@
                   </a:txBody>
                   <a:tcPr marL="68580" marR="68580" marT="0" marB="0"/>
                 </a:tc>
+                <a:extLst>
+                  <a:ext uri="{0D108BD9-81ED-4DB2-BD59-A6C34878D82A}">
+                    <a16:rowId xmlns:a16="http://schemas.microsoft.com/office/drawing/2014/main" val="1817473488"/>
+                  </a:ext>
+                </a:extLst>
+              </a:tr>
+              <a:tr h="343607">
                 <a:tc>
                   <a:txBody>
                     <a:bodyPr/>
@@ -7675,7 +7901,7 @@
                         <a:rPr lang="nl-NL" sz="1100">
                           <a:effectLst/>
                         </a:rPr>
-                        <a:t>Geïntegreerde temperatuur gecompenseerd kristaloscillator (TCXO) aanboort</a:t>
+                        <a:t>802,11b/g netwerk</a:t>
                       </a:r>
                       <a:endParaRPr lang="nl-NL" sz="1100">
                         <a:effectLst/>
@@ -7687,6 +7913,13 @@
                   </a:txBody>
                   <a:tcPr marL="68580" marR="68580" marT="0" marB="0"/>
                 </a:tc>
+                <a:extLst>
+                  <a:ext uri="{0D108BD9-81ED-4DB2-BD59-A6C34878D82A}">
+                    <a16:rowId xmlns:a16="http://schemas.microsoft.com/office/drawing/2014/main" val="3113799855"/>
+                  </a:ext>
+                </a:extLst>
+              </a:tr>
+              <a:tr h="859018">
                 <a:tc>
                   <a:txBody>
                     <a:bodyPr/>
@@ -7715,7 +7948,7 @@
                 </a:tc>
                 <a:extLst>
                   <a:ext uri="{0D108BD9-81ED-4DB2-BD59-A6C34878D82A}">
-                    <a16:rowId xmlns:a16="http://schemas.microsoft.com/office/drawing/2014/main" val="3111799371"/>
+                    <a16:rowId xmlns:a16="http://schemas.microsoft.com/office/drawing/2014/main" val="2397662456"/>
                   </a:ext>
                 </a:extLst>
               </a:tr>
@@ -7723,62 +7956,280 @@
           </a:graphicData>
         </a:graphic>
       </p:graphicFrame>
-      <p:pic>
-        <p:nvPicPr>
-          <p:cNvPr id="2050" name="Picture 2" descr="Afbeeldingsresultaat voor arduino uno">
+      <p:graphicFrame>
+        <p:nvGraphicFramePr>
+          <p:cNvPr id="12" name="Tabel 11">
             <a:extLst>
               <a:ext uri="{FF2B5EF4-FFF2-40B4-BE49-F238E27FC236}">
-                <a16:creationId xmlns:a16="http://schemas.microsoft.com/office/drawing/2014/main" id="{725A8F74-E7E6-4CC3-8F73-A91A71DCEABD}"/>
+                <a16:creationId xmlns:a16="http://schemas.microsoft.com/office/drawing/2014/main" id="{55D24F81-FD90-436D-BE07-90FF7758A8A9}"/>
               </a:ext>
             </a:extLst>
           </p:cNvPr>
-          <p:cNvPicPr>
-            <a:picLocks noChangeAspect="1" noChangeArrowheads="1"/>
-          </p:cNvPicPr>
-          <p:nvPr/>
-        </p:nvPicPr>
-        <p:blipFill>
-          <a:blip r:embed="rId2">
-            <a:extLst>
-              <a:ext uri="{BEBA8EAE-BF5A-486C-A8C5-ECC9F3942E4B}">
-                <a14:imgProps xmlns:a14="http://schemas.microsoft.com/office/drawing/2010/main">
-                  <a14:imgLayer r:embed="rId3">
-                    <a14:imgEffect>
-                      <a14:backgroundRemoval t="10000" b="90000" l="10000" r="90000"/>
-                    </a14:imgEffect>
-                  </a14:imgLayer>
-                </a14:imgProps>
-              </a:ext>
-              <a:ext uri="{28A0092B-C50C-407E-A947-70E740481C1C}">
-                <a14:useLocalDpi xmlns:a14="http://schemas.microsoft.com/office/drawing/2010/main" val="0"/>
-              </a:ext>
-            </a:extLst>
-          </a:blip>
-          <a:srcRect/>
-          <a:stretch>
-            <a:fillRect/>
-          </a:stretch>
-        </p:blipFill>
-        <p:spPr bwMode="auto">
-          <a:xfrm>
-            <a:off x="7599285" y="2364486"/>
-            <a:ext cx="4901583" cy="3078194"/>
-          </a:xfrm>
-          <a:prstGeom prst="rect">
-            <a:avLst/>
-          </a:prstGeom>
-          <a:noFill/>
-          <a:extLst>
-            <a:ext uri="{909E8E84-426E-40DD-AFC4-6F175D3DCCD1}">
-              <a14:hiddenFill xmlns:a14="http://schemas.microsoft.com/office/drawing/2010/main">
-                <a:solidFill>
-                  <a:srgbClr val="FFFFFF"/>
-                </a:solidFill>
-              </a14:hiddenFill>
-            </a:ext>
-          </a:extLst>
-        </p:spPr>
-      </p:pic>
+          <p:cNvGraphicFramePr>
+            <a:graphicFrameLocks noGrp="1"/>
+          </p:cNvGraphicFramePr>
+          <p:nvPr>
+            <p:extLst>
+              <p:ext uri="{D42A27DB-BD31-4B8C-83A1-F6EECF244321}">
+                <p14:modId xmlns:p14="http://schemas.microsoft.com/office/powerpoint/2010/main" val="3143572847"/>
+              </p:ext>
+            </p:extLst>
+          </p:nvPr>
+        </p:nvGraphicFramePr>
+        <p:xfrm>
+          <a:off x="6537627" y="2690244"/>
+          <a:ext cx="1646507" cy="2233448"/>
+        </p:xfrm>
+        <a:graphic>
+          <a:graphicData uri="http://schemas.openxmlformats.org/drawingml/2006/table">
+            <a:tbl>
+              <a:tblPr firstRow="1" firstCol="1" bandRow="1">
+                <a:tableStyleId>{B301B821-A1FF-4177-AEE7-76D212191A09}</a:tableStyleId>
+              </a:tblPr>
+              <a:tblGrid>
+                <a:gridCol w="1646507">
+                  <a:extLst>
+                    <a:ext uri="{9D8B030D-6E8A-4147-A177-3AD203B41FA5}">
+                      <a16:colId xmlns:a16="http://schemas.microsoft.com/office/drawing/2014/main" val="2655873827"/>
+                    </a:ext>
+                  </a:extLst>
+                </a:gridCol>
+              </a:tblGrid>
+              <a:tr h="279181">
+                <a:tc>
+                  <a:txBody>
+                    <a:bodyPr/>
+                    <a:lstStyle/>
+                    <a:p>
+                      <a:pPr>
+                        <a:spcAft>
+                          <a:spcPts val="0"/>
+                        </a:spcAft>
+                      </a:pPr>
+                      <a:r>
+                        <a:rPr lang="nl-NL" sz="1100">
+                          <a:effectLst/>
+                        </a:rPr>
+                        <a:t>DCF ontvanger </a:t>
+                      </a:r>
+                      <a:endParaRPr lang="nl-NL" sz="1100">
+                        <a:effectLst/>
+                        <a:latin typeface="Calibri" panose="020F0502020204030204" pitchFamily="34" charset="0"/>
+                        <a:ea typeface="Calibri" panose="020F0502020204030204" pitchFamily="34" charset="0"/>
+                        <a:cs typeface="Times New Roman" panose="02020603050405020304" pitchFamily="18" charset="0"/>
+                      </a:endParaRPr>
+                    </a:p>
+                  </a:txBody>
+                  <a:tcPr marL="68580" marR="68580" marT="0" marB="0"/>
+                </a:tc>
+                <a:extLst>
+                  <a:ext uri="{0D108BD9-81ED-4DB2-BD59-A6C34878D82A}">
+                    <a16:rowId xmlns:a16="http://schemas.microsoft.com/office/drawing/2014/main" val="1648692607"/>
+                  </a:ext>
+                </a:extLst>
+              </a:tr>
+              <a:tr h="279181">
+                <a:tc>
+                  <a:txBody>
+                    <a:bodyPr/>
+                    <a:lstStyle/>
+                    <a:p>
+                      <a:pPr>
+                        <a:spcAft>
+                          <a:spcPts val="0"/>
+                        </a:spcAft>
+                      </a:pPr>
+                      <a:r>
+                        <a:rPr lang="nl-NL" sz="1100">
+                          <a:effectLst/>
+                        </a:rPr>
+                        <a:t>~13,00</a:t>
+                      </a:r>
+                      <a:endParaRPr lang="nl-NL" sz="1100">
+                        <a:effectLst/>
+                        <a:latin typeface="Calibri" panose="020F0502020204030204" pitchFamily="34" charset="0"/>
+                        <a:ea typeface="Calibri" panose="020F0502020204030204" pitchFamily="34" charset="0"/>
+                        <a:cs typeface="Times New Roman" panose="02020603050405020304" pitchFamily="18" charset="0"/>
+                      </a:endParaRPr>
+                    </a:p>
+                  </a:txBody>
+                  <a:tcPr marL="68580" marR="68580" marT="0" marB="0"/>
+                </a:tc>
+                <a:extLst>
+                  <a:ext uri="{0D108BD9-81ED-4DB2-BD59-A6C34878D82A}">
+                    <a16:rowId xmlns:a16="http://schemas.microsoft.com/office/drawing/2014/main" val="3620821688"/>
+                  </a:ext>
+                </a:extLst>
+              </a:tr>
+              <a:tr h="279181">
+                <a:tc>
+                  <a:txBody>
+                    <a:bodyPr/>
+                    <a:lstStyle/>
+                    <a:p>
+                      <a:pPr>
+                        <a:spcAft>
+                          <a:spcPts val="0"/>
+                        </a:spcAft>
+                      </a:pPr>
+                      <a:r>
+                        <a:rPr lang="nl-NL" sz="1100">
+                          <a:effectLst/>
+                        </a:rPr>
+                        <a:t>~2,0cm X 1,0cm</a:t>
+                      </a:r>
+                      <a:endParaRPr lang="nl-NL" sz="1100">
+                        <a:effectLst/>
+                        <a:latin typeface="Calibri" panose="020F0502020204030204" pitchFamily="34" charset="0"/>
+                        <a:ea typeface="Calibri" panose="020F0502020204030204" pitchFamily="34" charset="0"/>
+                        <a:cs typeface="Times New Roman" panose="02020603050405020304" pitchFamily="18" charset="0"/>
+                      </a:endParaRPr>
+                    </a:p>
+                  </a:txBody>
+                  <a:tcPr marL="68580" marR="68580" marT="0" marB="0"/>
+                </a:tc>
+                <a:extLst>
+                  <a:ext uri="{0D108BD9-81ED-4DB2-BD59-A6C34878D82A}">
+                    <a16:rowId xmlns:a16="http://schemas.microsoft.com/office/drawing/2014/main" val="2986509729"/>
+                  </a:ext>
+                </a:extLst>
+              </a:tr>
+              <a:tr h="279181">
+                <a:tc>
+                  <a:txBody>
+                    <a:bodyPr/>
+                    <a:lstStyle/>
+                    <a:p>
+                      <a:pPr>
+                        <a:spcAft>
+                          <a:spcPts val="0"/>
+                        </a:spcAft>
+                      </a:pPr>
+                      <a:r>
+                        <a:rPr lang="nl-NL" sz="1100">
+                          <a:effectLst/>
+                        </a:rPr>
+                        <a:t>nvt</a:t>
+                      </a:r>
+                      <a:endParaRPr lang="nl-NL" sz="1100">
+                        <a:effectLst/>
+                        <a:latin typeface="Calibri" panose="020F0502020204030204" pitchFamily="34" charset="0"/>
+                        <a:ea typeface="Calibri" panose="020F0502020204030204" pitchFamily="34" charset="0"/>
+                        <a:cs typeface="Times New Roman" panose="02020603050405020304" pitchFamily="18" charset="0"/>
+                      </a:endParaRPr>
+                    </a:p>
+                  </a:txBody>
+                  <a:tcPr marL="68580" marR="68580" marT="0" marB="0"/>
+                </a:tc>
+                <a:extLst>
+                  <a:ext uri="{0D108BD9-81ED-4DB2-BD59-A6C34878D82A}">
+                    <a16:rowId xmlns:a16="http://schemas.microsoft.com/office/drawing/2014/main" val="1322120643"/>
+                  </a:ext>
+                </a:extLst>
+              </a:tr>
+              <a:tr h="279181">
+                <a:tc>
+                  <a:txBody>
+                    <a:bodyPr/>
+                    <a:lstStyle/>
+                    <a:p>
+                      <a:pPr>
+                        <a:spcAft>
+                          <a:spcPts val="0"/>
+                        </a:spcAft>
+                      </a:pPr>
+                      <a:r>
+                        <a:rPr lang="nl-NL" sz="1100">
+                          <a:effectLst/>
+                        </a:rPr>
+                        <a:t>nvt</a:t>
+                      </a:r>
+                      <a:endParaRPr lang="nl-NL" sz="1100">
+                        <a:effectLst/>
+                        <a:latin typeface="Calibri" panose="020F0502020204030204" pitchFamily="34" charset="0"/>
+                        <a:ea typeface="Calibri" panose="020F0502020204030204" pitchFamily="34" charset="0"/>
+                        <a:cs typeface="Times New Roman" panose="02020603050405020304" pitchFamily="18" charset="0"/>
+                      </a:endParaRPr>
+                    </a:p>
+                  </a:txBody>
+                  <a:tcPr marL="68580" marR="68580" marT="0" marB="0"/>
+                </a:tc>
+                <a:extLst>
+                  <a:ext uri="{0D108BD9-81ED-4DB2-BD59-A6C34878D82A}">
+                    <a16:rowId xmlns:a16="http://schemas.microsoft.com/office/drawing/2014/main" val="1919557435"/>
+                  </a:ext>
+                </a:extLst>
+              </a:tr>
+              <a:tr h="279181">
+                <a:tc>
+                  <a:txBody>
+                    <a:bodyPr/>
+                    <a:lstStyle/>
+                    <a:p>
+                      <a:pPr>
+                        <a:spcAft>
+                          <a:spcPts val="0"/>
+                        </a:spcAft>
+                      </a:pPr>
+                      <a:r>
+                        <a:rPr lang="nl-NL" sz="1100">
+                          <a:effectLst/>
+                        </a:rPr>
+                        <a:t>1 sec per 5 miljard jaar</a:t>
+                      </a:r>
+                      <a:endParaRPr lang="nl-NL" sz="1100">
+                        <a:effectLst/>
+                        <a:latin typeface="Calibri" panose="020F0502020204030204" pitchFamily="34" charset="0"/>
+                        <a:ea typeface="Calibri" panose="020F0502020204030204" pitchFamily="34" charset="0"/>
+                        <a:cs typeface="Times New Roman" panose="02020603050405020304" pitchFamily="18" charset="0"/>
+                      </a:endParaRPr>
+                    </a:p>
+                  </a:txBody>
+                  <a:tcPr marL="68580" marR="68580" marT="0" marB="0"/>
+                </a:tc>
+                <a:extLst>
+                  <a:ext uri="{0D108BD9-81ED-4DB2-BD59-A6C34878D82A}">
+                    <a16:rowId xmlns:a16="http://schemas.microsoft.com/office/drawing/2014/main" val="2458796563"/>
+                  </a:ext>
+                </a:extLst>
+              </a:tr>
+              <a:tr h="558362">
+                <a:tc>
+                  <a:txBody>
+                    <a:bodyPr/>
+                    <a:lstStyle/>
+                    <a:p>
+                      <a:pPr>
+                        <a:spcAft>
+                          <a:spcPts val="0"/>
+                        </a:spcAft>
+                      </a:pPr>
+                      <a:r>
+                        <a:rPr lang="nl-NL" sz="1100" dirty="0">
+                          <a:effectLst/>
+                        </a:rPr>
+                        <a:t>Verstoring bij slecht weer.</a:t>
+                      </a:r>
+                      <a:endParaRPr lang="nl-NL" sz="1100" dirty="0">
+                        <a:effectLst/>
+                        <a:latin typeface="Calibri" panose="020F0502020204030204" pitchFamily="34" charset="0"/>
+                        <a:ea typeface="Calibri" panose="020F0502020204030204" pitchFamily="34" charset="0"/>
+                        <a:cs typeface="Times New Roman" panose="02020603050405020304" pitchFamily="18" charset="0"/>
+                      </a:endParaRPr>
+                    </a:p>
+                  </a:txBody>
+                  <a:tcPr marL="68580" marR="68580" marT="0" marB="0"/>
+                </a:tc>
+                <a:extLst>
+                  <a:ext uri="{0D108BD9-81ED-4DB2-BD59-A6C34878D82A}">
+                    <a16:rowId xmlns:a16="http://schemas.microsoft.com/office/drawing/2014/main" val="4008512781"/>
+                  </a:ext>
+                </a:extLst>
+              </a:tr>
+            </a:tbl>
+          </a:graphicData>
+        </a:graphic>
+      </p:graphicFrame>
     </p:spTree>
     <p:extLst>
       <p:ext uri="{BB962C8B-B14F-4D97-AF65-F5344CB8AC3E}">
@@ -7792,6 +8243,491 @@
   <p:transition>
     <p:wheel spokes="1"/>
   </p:transition>
+  <p:timing>
+    <p:tnLst>
+      <p:par>
+        <p:cTn id="1" dur="indefinite" restart="never" nodeType="tmRoot">
+          <p:childTnLst>
+            <p:seq concurrent="1" nextAc="seek">
+              <p:cTn id="2" dur="indefinite" nodeType="mainSeq">
+                <p:childTnLst>
+                  <p:par>
+                    <p:cTn id="3" fill="hold">
+                      <p:stCondLst>
+                        <p:cond delay="indefinite"/>
+                      </p:stCondLst>
+                      <p:childTnLst>
+                        <p:par>
+                          <p:cTn id="4" fill="hold">
+                            <p:stCondLst>
+                              <p:cond delay="0"/>
+                            </p:stCondLst>
+                            <p:childTnLst>
+                              <p:par>
+                                <p:cTn id="5" presetID="2" presetClass="entr" presetSubtype="4" fill="hold" nodeType="clickEffect">
+                                  <p:stCondLst>
+                                    <p:cond delay="0"/>
+                                  </p:stCondLst>
+                                  <p:childTnLst>
+                                    <p:set>
+                                      <p:cBhvr>
+                                        <p:cTn id="6" dur="1" fill="hold">
+                                          <p:stCondLst>
+                                            <p:cond delay="0"/>
+                                          </p:stCondLst>
+                                        </p:cTn>
+                                        <p:tgtEl>
+                                          <p:spTgt spid="8"/>
+                                        </p:tgtEl>
+                                        <p:attrNameLst>
+                                          <p:attrName>style.visibility</p:attrName>
+                                        </p:attrNameLst>
+                                      </p:cBhvr>
+                                      <p:to>
+                                        <p:strVal val="visible"/>
+                                      </p:to>
+                                    </p:set>
+                                    <p:anim calcmode="lin" valueType="num">
+                                      <p:cBhvr additive="base">
+                                        <p:cTn id="7" dur="500" fill="hold"/>
+                                        <p:tgtEl>
+                                          <p:spTgt spid="8"/>
+                                        </p:tgtEl>
+                                        <p:attrNameLst>
+                                          <p:attrName>ppt_x</p:attrName>
+                                        </p:attrNameLst>
+                                      </p:cBhvr>
+                                      <p:tavLst>
+                                        <p:tav tm="0">
+                                          <p:val>
+                                            <p:strVal val="#ppt_x"/>
+                                          </p:val>
+                                        </p:tav>
+                                        <p:tav tm="100000">
+                                          <p:val>
+                                            <p:strVal val="#ppt_x"/>
+                                          </p:val>
+                                        </p:tav>
+                                      </p:tavLst>
+                                    </p:anim>
+                                    <p:anim calcmode="lin" valueType="num">
+                                      <p:cBhvr additive="base">
+                                        <p:cTn id="8" dur="500" fill="hold"/>
+                                        <p:tgtEl>
+                                          <p:spTgt spid="8"/>
+                                        </p:tgtEl>
+                                        <p:attrNameLst>
+                                          <p:attrName>ppt_y</p:attrName>
+                                        </p:attrNameLst>
+                                      </p:cBhvr>
+                                      <p:tavLst>
+                                        <p:tav tm="0">
+                                          <p:val>
+                                            <p:strVal val="1+#ppt_h/2"/>
+                                          </p:val>
+                                        </p:tav>
+                                        <p:tav tm="100000">
+                                          <p:val>
+                                            <p:strVal val="#ppt_y"/>
+                                          </p:val>
+                                        </p:tav>
+                                      </p:tavLst>
+                                    </p:anim>
+                                  </p:childTnLst>
+                                </p:cTn>
+                              </p:par>
+                            </p:childTnLst>
+                          </p:cTn>
+                        </p:par>
+                      </p:childTnLst>
+                    </p:cTn>
+                  </p:par>
+                  <p:par>
+                    <p:cTn id="9" fill="hold">
+                      <p:stCondLst>
+                        <p:cond delay="indefinite"/>
+                      </p:stCondLst>
+                      <p:childTnLst>
+                        <p:par>
+                          <p:cTn id="10" fill="hold">
+                            <p:stCondLst>
+                              <p:cond delay="0"/>
+                            </p:stCondLst>
+                            <p:childTnLst>
+                              <p:par>
+                                <p:cTn id="11" presetID="2" presetClass="entr" presetSubtype="4" fill="hold" nodeType="clickEffect">
+                                  <p:stCondLst>
+                                    <p:cond delay="0"/>
+                                  </p:stCondLst>
+                                  <p:childTnLst>
+                                    <p:set>
+                                      <p:cBhvr>
+                                        <p:cTn id="12" dur="1" fill="hold">
+                                          <p:stCondLst>
+                                            <p:cond delay="0"/>
+                                          </p:stCondLst>
+                                        </p:cTn>
+                                        <p:tgtEl>
+                                          <p:spTgt spid="9"/>
+                                        </p:tgtEl>
+                                        <p:attrNameLst>
+                                          <p:attrName>style.visibility</p:attrName>
+                                        </p:attrNameLst>
+                                      </p:cBhvr>
+                                      <p:to>
+                                        <p:strVal val="visible"/>
+                                      </p:to>
+                                    </p:set>
+                                    <p:anim calcmode="lin" valueType="num">
+                                      <p:cBhvr additive="base">
+                                        <p:cTn id="13" dur="500" fill="hold"/>
+                                        <p:tgtEl>
+                                          <p:spTgt spid="9"/>
+                                        </p:tgtEl>
+                                        <p:attrNameLst>
+                                          <p:attrName>ppt_x</p:attrName>
+                                        </p:attrNameLst>
+                                      </p:cBhvr>
+                                      <p:tavLst>
+                                        <p:tav tm="0">
+                                          <p:val>
+                                            <p:strVal val="#ppt_x"/>
+                                          </p:val>
+                                        </p:tav>
+                                        <p:tav tm="100000">
+                                          <p:val>
+                                            <p:strVal val="#ppt_x"/>
+                                          </p:val>
+                                        </p:tav>
+                                      </p:tavLst>
+                                    </p:anim>
+                                    <p:anim calcmode="lin" valueType="num">
+                                      <p:cBhvr additive="base">
+                                        <p:cTn id="14" dur="500" fill="hold"/>
+                                        <p:tgtEl>
+                                          <p:spTgt spid="9"/>
+                                        </p:tgtEl>
+                                        <p:attrNameLst>
+                                          <p:attrName>ppt_y</p:attrName>
+                                        </p:attrNameLst>
+                                      </p:cBhvr>
+                                      <p:tavLst>
+                                        <p:tav tm="0">
+                                          <p:val>
+                                            <p:strVal val="1+#ppt_h/2"/>
+                                          </p:val>
+                                        </p:tav>
+                                        <p:tav tm="100000">
+                                          <p:val>
+                                            <p:strVal val="#ppt_y"/>
+                                          </p:val>
+                                        </p:tav>
+                                      </p:tavLst>
+                                    </p:anim>
+                                  </p:childTnLst>
+                                </p:cTn>
+                              </p:par>
+                            </p:childTnLst>
+                          </p:cTn>
+                        </p:par>
+                      </p:childTnLst>
+                    </p:cTn>
+                  </p:par>
+                  <p:par>
+                    <p:cTn id="15" fill="hold">
+                      <p:stCondLst>
+                        <p:cond delay="indefinite"/>
+                      </p:stCondLst>
+                      <p:childTnLst>
+                        <p:par>
+                          <p:cTn id="16" fill="hold">
+                            <p:stCondLst>
+                              <p:cond delay="0"/>
+                            </p:stCondLst>
+                            <p:childTnLst>
+                              <p:par>
+                                <p:cTn id="17" presetID="2" presetClass="entr" presetSubtype="4" fill="hold" nodeType="clickEffect">
+                                  <p:stCondLst>
+                                    <p:cond delay="0"/>
+                                  </p:stCondLst>
+                                  <p:childTnLst>
+                                    <p:set>
+                                      <p:cBhvr>
+                                        <p:cTn id="18" dur="1" fill="hold">
+                                          <p:stCondLst>
+                                            <p:cond delay="0"/>
+                                          </p:stCondLst>
+                                        </p:cTn>
+                                        <p:tgtEl>
+                                          <p:spTgt spid="10"/>
+                                        </p:tgtEl>
+                                        <p:attrNameLst>
+                                          <p:attrName>style.visibility</p:attrName>
+                                        </p:attrNameLst>
+                                      </p:cBhvr>
+                                      <p:to>
+                                        <p:strVal val="visible"/>
+                                      </p:to>
+                                    </p:set>
+                                    <p:anim calcmode="lin" valueType="num">
+                                      <p:cBhvr additive="base">
+                                        <p:cTn id="19" dur="500" fill="hold"/>
+                                        <p:tgtEl>
+                                          <p:spTgt spid="10"/>
+                                        </p:tgtEl>
+                                        <p:attrNameLst>
+                                          <p:attrName>ppt_x</p:attrName>
+                                        </p:attrNameLst>
+                                      </p:cBhvr>
+                                      <p:tavLst>
+                                        <p:tav tm="0">
+                                          <p:val>
+                                            <p:strVal val="#ppt_x"/>
+                                          </p:val>
+                                        </p:tav>
+                                        <p:tav tm="100000">
+                                          <p:val>
+                                            <p:strVal val="#ppt_x"/>
+                                          </p:val>
+                                        </p:tav>
+                                      </p:tavLst>
+                                    </p:anim>
+                                    <p:anim calcmode="lin" valueType="num">
+                                      <p:cBhvr additive="base">
+                                        <p:cTn id="20" dur="500" fill="hold"/>
+                                        <p:tgtEl>
+                                          <p:spTgt spid="10"/>
+                                        </p:tgtEl>
+                                        <p:attrNameLst>
+                                          <p:attrName>ppt_y</p:attrName>
+                                        </p:attrNameLst>
+                                      </p:cBhvr>
+                                      <p:tavLst>
+                                        <p:tav tm="0">
+                                          <p:val>
+                                            <p:strVal val="1+#ppt_h/2"/>
+                                          </p:val>
+                                        </p:tav>
+                                        <p:tav tm="100000">
+                                          <p:val>
+                                            <p:strVal val="#ppt_y"/>
+                                          </p:val>
+                                        </p:tav>
+                                      </p:tavLst>
+                                    </p:anim>
+                                  </p:childTnLst>
+                                </p:cTn>
+                              </p:par>
+                            </p:childTnLst>
+                          </p:cTn>
+                        </p:par>
+                      </p:childTnLst>
+                    </p:cTn>
+                  </p:par>
+                  <p:par>
+                    <p:cTn id="21" fill="hold">
+                      <p:stCondLst>
+                        <p:cond delay="indefinite"/>
+                      </p:stCondLst>
+                      <p:childTnLst>
+                        <p:par>
+                          <p:cTn id="22" fill="hold">
+                            <p:stCondLst>
+                              <p:cond delay="0"/>
+                            </p:stCondLst>
+                            <p:childTnLst>
+                              <p:par>
+                                <p:cTn id="23" presetID="2" presetClass="entr" presetSubtype="4" fill="hold" nodeType="clickEffect">
+                                  <p:stCondLst>
+                                    <p:cond delay="0"/>
+                                  </p:stCondLst>
+                                  <p:childTnLst>
+                                    <p:set>
+                                      <p:cBhvr>
+                                        <p:cTn id="24" dur="1" fill="hold">
+                                          <p:stCondLst>
+                                            <p:cond delay="0"/>
+                                          </p:stCondLst>
+                                        </p:cTn>
+                                        <p:tgtEl>
+                                          <p:spTgt spid="12"/>
+                                        </p:tgtEl>
+                                        <p:attrNameLst>
+                                          <p:attrName>style.visibility</p:attrName>
+                                        </p:attrNameLst>
+                                      </p:cBhvr>
+                                      <p:to>
+                                        <p:strVal val="visible"/>
+                                      </p:to>
+                                    </p:set>
+                                    <p:anim calcmode="lin" valueType="num">
+                                      <p:cBhvr additive="base">
+                                        <p:cTn id="25" dur="500" fill="hold"/>
+                                        <p:tgtEl>
+                                          <p:spTgt spid="12"/>
+                                        </p:tgtEl>
+                                        <p:attrNameLst>
+                                          <p:attrName>ppt_x</p:attrName>
+                                        </p:attrNameLst>
+                                      </p:cBhvr>
+                                      <p:tavLst>
+                                        <p:tav tm="0">
+                                          <p:val>
+                                            <p:strVal val="#ppt_x"/>
+                                          </p:val>
+                                        </p:tav>
+                                        <p:tav tm="100000">
+                                          <p:val>
+                                            <p:strVal val="#ppt_x"/>
+                                          </p:val>
+                                        </p:tav>
+                                      </p:tavLst>
+                                    </p:anim>
+                                    <p:anim calcmode="lin" valueType="num">
+                                      <p:cBhvr additive="base">
+                                        <p:cTn id="26" dur="500" fill="hold"/>
+                                        <p:tgtEl>
+                                          <p:spTgt spid="12"/>
+                                        </p:tgtEl>
+                                        <p:attrNameLst>
+                                          <p:attrName>ppt_y</p:attrName>
+                                        </p:attrNameLst>
+                                      </p:cBhvr>
+                                      <p:tavLst>
+                                        <p:tav tm="0">
+                                          <p:val>
+                                            <p:strVal val="1+#ppt_h/2"/>
+                                          </p:val>
+                                        </p:tav>
+                                        <p:tav tm="100000">
+                                          <p:val>
+                                            <p:strVal val="#ppt_y"/>
+                                          </p:val>
+                                        </p:tav>
+                                      </p:tavLst>
+                                    </p:anim>
+                                  </p:childTnLst>
+                                </p:cTn>
+                              </p:par>
+                            </p:childTnLst>
+                          </p:cTn>
+                        </p:par>
+                      </p:childTnLst>
+                    </p:cTn>
+                  </p:par>
+                  <p:par>
+                    <p:cTn id="27" fill="hold">
+                      <p:stCondLst>
+                        <p:cond delay="indefinite"/>
+                      </p:stCondLst>
+                      <p:childTnLst>
+                        <p:par>
+                          <p:cTn id="28" fill="hold">
+                            <p:stCondLst>
+                              <p:cond delay="0"/>
+                            </p:stCondLst>
+                            <p:childTnLst>
+                              <p:par>
+                                <p:cTn id="29" presetID="2" presetClass="entr" presetSubtype="4" fill="hold" nodeType="clickEffect">
+                                  <p:stCondLst>
+                                    <p:cond delay="0"/>
+                                  </p:stCondLst>
+                                  <p:childTnLst>
+                                    <p:set>
+                                      <p:cBhvr>
+                                        <p:cTn id="30" dur="1" fill="hold">
+                                          <p:stCondLst>
+                                            <p:cond delay="0"/>
+                                          </p:stCondLst>
+                                        </p:cTn>
+                                        <p:tgtEl>
+                                          <p:spTgt spid="2050"/>
+                                        </p:tgtEl>
+                                        <p:attrNameLst>
+                                          <p:attrName>style.visibility</p:attrName>
+                                        </p:attrNameLst>
+                                      </p:cBhvr>
+                                      <p:to>
+                                        <p:strVal val="visible"/>
+                                      </p:to>
+                                    </p:set>
+                                    <p:anim calcmode="lin" valueType="num">
+                                      <p:cBhvr additive="base">
+                                        <p:cTn id="31" dur="500" fill="hold"/>
+                                        <p:tgtEl>
+                                          <p:spTgt spid="2050"/>
+                                        </p:tgtEl>
+                                        <p:attrNameLst>
+                                          <p:attrName>ppt_x</p:attrName>
+                                        </p:attrNameLst>
+                                      </p:cBhvr>
+                                      <p:tavLst>
+                                        <p:tav tm="0">
+                                          <p:val>
+                                            <p:strVal val="#ppt_x"/>
+                                          </p:val>
+                                        </p:tav>
+                                        <p:tav tm="100000">
+                                          <p:val>
+                                            <p:strVal val="#ppt_x"/>
+                                          </p:val>
+                                        </p:tav>
+                                      </p:tavLst>
+                                    </p:anim>
+                                    <p:anim calcmode="lin" valueType="num">
+                                      <p:cBhvr additive="base">
+                                        <p:cTn id="32" dur="500" fill="hold"/>
+                                        <p:tgtEl>
+                                          <p:spTgt spid="2050"/>
+                                        </p:tgtEl>
+                                        <p:attrNameLst>
+                                          <p:attrName>ppt_y</p:attrName>
+                                        </p:attrNameLst>
+                                      </p:cBhvr>
+                                      <p:tavLst>
+                                        <p:tav tm="0">
+                                          <p:val>
+                                            <p:strVal val="1+#ppt_h/2"/>
+                                          </p:val>
+                                        </p:tav>
+                                        <p:tav tm="100000">
+                                          <p:val>
+                                            <p:strVal val="#ppt_y"/>
+                                          </p:val>
+                                        </p:tav>
+                                      </p:tavLst>
+                                    </p:anim>
+                                  </p:childTnLst>
+                                </p:cTn>
+                              </p:par>
+                            </p:childTnLst>
+                          </p:cTn>
+                        </p:par>
+                      </p:childTnLst>
+                    </p:cTn>
+                  </p:par>
+                </p:childTnLst>
+              </p:cTn>
+              <p:prevCondLst>
+                <p:cond evt="onPrev" delay="0">
+                  <p:tgtEl>
+                    <p:sldTgt/>
+                  </p:tgtEl>
+                </p:cond>
+              </p:prevCondLst>
+              <p:nextCondLst>
+                <p:cond evt="onNext" delay="0">
+                  <p:tgtEl>
+                    <p:sldTgt/>
+                  </p:tgtEl>
+                </p:cond>
+              </p:nextCondLst>
+            </p:seq>
+          </p:childTnLst>
+        </p:cTn>
+      </p:par>
+    </p:tnLst>
+  </p:timing>
 </p:sld>
 </file>
 
@@ -7983,10 +8919,10 @@
       </p:sp>
       <p:sp>
         <p:nvSpPr>
-          <p:cNvPr id="4" name="Rectangle 1">
+          <p:cNvPr id="7" name="Rectangle 3">
             <a:extLst>
               <a:ext uri="{FF2B5EF4-FFF2-40B4-BE49-F238E27FC236}">
-                <a16:creationId xmlns:a16="http://schemas.microsoft.com/office/drawing/2014/main" id="{1A786593-F1D7-4CD0-AE05-4BFB8F304FB8}"/>
+                <a16:creationId xmlns:a16="http://schemas.microsoft.com/office/drawing/2014/main" id="{8FFC415B-FF46-41EF-9374-8662D64CE29C}"/>
               </a:ext>
             </a:extLst>
           </p:cNvPr>
@@ -7999,8 +8935,8 @@
         </p:nvSpPr>
         <p:spPr bwMode="auto">
           <a:xfrm>
-            <a:off x="1981460" y="2001040"/>
-            <a:ext cx="8726229" cy="4493489"/>
+            <a:off x="1849316" y="2299901"/>
+            <a:ext cx="9550500" cy="3077717"/>
           </a:xfrm>
           <a:prstGeom prst="rect">
             <a:avLst/>
@@ -8040,7 +8976,7 @@
           </a:extLst>
         </p:spPr>
         <p:txBody>
-          <a:bodyPr vert="horz" wrap="square" lIns="91440" tIns="152352" rIns="91440" bIns="0" numCol="1" anchor="ctr" anchorCtr="0" compatLnSpc="1">
+          <a:bodyPr vert="horz" wrap="none" lIns="91440" tIns="152352" rIns="91440" bIns="0" numCol="1" anchor="ctr" anchorCtr="0" compatLnSpc="1">
             <a:prstTxWarp prst="textNoShape">
               <a:avLst/>
             </a:prstTxWarp>
@@ -8192,7 +9128,7 @@
               <a:tabLst/>
             </a:pPr>
             <a:r>
-              <a:rPr kumimoji="0" lang="nl-NL" altLang="nl-NL" b="0" i="0" u="none" strike="noStrike" cap="none" normalizeH="0" baseline="0" dirty="0">
+              <a:rPr kumimoji="0" lang="nl-NL" altLang="nl-NL" sz="3200" b="0" i="0" u="none" strike="noStrike" cap="none" normalizeH="0" baseline="0" dirty="0">
                 <a:ln>
                   <a:noFill/>
                 </a:ln>
@@ -8225,7 +9161,7 @@
               <a:tabLst/>
             </a:pPr>
             <a:r>
-              <a:rPr kumimoji="0" lang="nl-NL" altLang="nl-NL" sz="1600" b="0" i="1" u="none" strike="noStrike" cap="none" normalizeH="0" baseline="0" dirty="0">
+              <a:rPr kumimoji="0" lang="nl-NL" altLang="nl-NL" sz="1400" b="0" i="1" u="none" strike="noStrike" cap="none" normalizeH="0" baseline="0" dirty="0">
                 <a:ln>
                   <a:noFill/>
                 </a:ln>
@@ -8240,7 +9176,7 @@
               <a:t>http://domoticx.com/arduino-rtc-tijdklok-ds1307/</a:t>
             </a:r>
             <a:r>
-              <a:rPr kumimoji="0" lang="nl-NL" altLang="nl-NL" sz="1600" b="0" i="0" u="none" strike="noStrike" cap="none" normalizeH="0" baseline="0" dirty="0">
+              <a:rPr kumimoji="0" lang="nl-NL" altLang="nl-NL" sz="1400" b="0" i="0" u="none" strike="noStrike" cap="none" normalizeH="0" baseline="0" dirty="0">
                 <a:ln>
                   <a:noFill/>
                 </a:ln>
@@ -8255,7 +9191,7 @@
               <a:t>. (</a:t>
             </a:r>
             <a:r>
-              <a:rPr kumimoji="0" lang="nl-NL" altLang="nl-NL" sz="1600" b="0" i="0" u="none" strike="noStrike" cap="none" normalizeH="0" baseline="0" dirty="0" err="1">
+              <a:rPr kumimoji="0" lang="nl-NL" altLang="nl-NL" sz="1400" b="0" i="0" u="none" strike="noStrike" cap="none" normalizeH="0" baseline="0" dirty="0" err="1">
                 <a:ln>
                   <a:noFill/>
                 </a:ln>
@@ -8270,7 +9206,7 @@
               <a:t>sd</a:t>
             </a:r>
             <a:r>
-              <a:rPr kumimoji="0" lang="nl-NL" altLang="nl-NL" sz="1600" b="0" i="0" u="none" strike="noStrike" cap="none" normalizeH="0" baseline="0" dirty="0">
+              <a:rPr kumimoji="0" lang="nl-NL" altLang="nl-NL" sz="1400" b="0" i="0" u="none" strike="noStrike" cap="none" normalizeH="0" baseline="0" dirty="0">
                 <a:ln>
                   <a:noFill/>
                 </a:ln>
@@ -8285,7 +9221,7 @@
               <a:t>). Opgehaald van </a:t>
             </a:r>
             <a:r>
-              <a:rPr kumimoji="0" lang="nl-NL" altLang="nl-NL" sz="1600" b="0" i="0" u="none" strike="noStrike" cap="none" normalizeH="0" baseline="0" dirty="0" err="1">
+              <a:rPr kumimoji="0" lang="nl-NL" altLang="nl-NL" sz="1400" b="0" i="0" u="none" strike="noStrike" cap="none" normalizeH="0" baseline="0" dirty="0" err="1">
                 <a:ln>
                   <a:noFill/>
                 </a:ln>
@@ -8300,7 +9236,7 @@
               <a:t>Domoticx</a:t>
             </a:r>
             <a:r>
-              <a:rPr kumimoji="0" lang="nl-NL" altLang="nl-NL" sz="1600" b="0" i="0" u="none" strike="noStrike" cap="none" normalizeH="0" baseline="0" dirty="0">
+              <a:rPr kumimoji="0" lang="nl-NL" altLang="nl-NL" sz="1400" b="0" i="0" u="none" strike="noStrike" cap="none" normalizeH="0" baseline="0" dirty="0">
                 <a:ln>
                   <a:noFill/>
                 </a:ln>
@@ -8314,7 +9250,7 @@
               </a:rPr>
               <a:t>.</a:t>
             </a:r>
-            <a:endParaRPr kumimoji="0" lang="nl-NL" altLang="nl-NL" sz="1050" b="0" i="0" u="none" strike="noStrike" cap="none" normalizeH="0" baseline="0" dirty="0">
+            <a:endParaRPr kumimoji="0" lang="nl-NL" altLang="nl-NL" sz="1400" b="0" i="0" u="none" strike="noStrike" cap="none" normalizeH="0" baseline="0" dirty="0">
               <a:ln>
                 <a:noFill/>
               </a:ln>
@@ -8342,7 +9278,7 @@
               <a:tabLst/>
             </a:pPr>
             <a:r>
-              <a:rPr kumimoji="0" lang="nl-NL" altLang="nl-NL" sz="1600" b="0" i="1" u="none" strike="noStrike" cap="none" normalizeH="0" baseline="0" dirty="0">
+              <a:rPr kumimoji="0" lang="nl-NL" altLang="nl-NL" sz="1400" b="0" i="1" u="none" strike="noStrike" cap="none" normalizeH="0" baseline="0" dirty="0">
                 <a:ln>
                   <a:noFill/>
                 </a:ln>
@@ -8357,7 +9293,7 @@
               <a:t>http://www.best-microcontroller-projects.com/real-time-clock-ic.html</a:t>
             </a:r>
             <a:r>
-              <a:rPr kumimoji="0" lang="nl-NL" altLang="nl-NL" sz="1600" b="0" i="0" u="none" strike="noStrike" cap="none" normalizeH="0" baseline="0" dirty="0">
+              <a:rPr kumimoji="0" lang="nl-NL" altLang="nl-NL" sz="1400" b="0" i="0" u="none" strike="noStrike" cap="none" normalizeH="0" baseline="0" dirty="0">
                 <a:ln>
                   <a:noFill/>
                 </a:ln>
@@ -8372,7 +9308,7 @@
               <a:t>. (</a:t>
             </a:r>
             <a:r>
-              <a:rPr kumimoji="0" lang="nl-NL" altLang="nl-NL" sz="1600" b="0" i="0" u="none" strike="noStrike" cap="none" normalizeH="0" baseline="0" dirty="0" err="1">
+              <a:rPr kumimoji="0" lang="nl-NL" altLang="nl-NL" sz="1400" b="0" i="0" u="none" strike="noStrike" cap="none" normalizeH="0" baseline="0" dirty="0" err="1">
                 <a:ln>
                   <a:noFill/>
                 </a:ln>
@@ -8387,7 +9323,7 @@
               <a:t>sd</a:t>
             </a:r>
             <a:r>
-              <a:rPr kumimoji="0" lang="nl-NL" altLang="nl-NL" sz="1600" b="0" i="0" u="none" strike="noStrike" cap="none" normalizeH="0" baseline="0" dirty="0">
+              <a:rPr kumimoji="0" lang="nl-NL" altLang="nl-NL" sz="1400" b="0" i="0" u="none" strike="noStrike" cap="none" normalizeH="0" baseline="0" dirty="0">
                 <a:ln>
                   <a:noFill/>
                 </a:ln>
@@ -8399,10 +9335,10 @@
                 <a:ea typeface="Calibri" panose="020F0502020204030204" pitchFamily="34" charset="0"/>
                 <a:cs typeface="Times New Roman" panose="02020603050405020304" pitchFamily="18" charset="0"/>
               </a:rPr>
-              <a:t>). Opgehaald van best-	microcontroller-</a:t>
-            </a:r>
-            <a:r>
-              <a:rPr kumimoji="0" lang="nl-NL" altLang="nl-NL" sz="1600" b="0" i="0" u="none" strike="noStrike" cap="none" normalizeH="0" baseline="0" dirty="0" err="1">
+              <a:t>). Opgehaald van best-microcontroller-</a:t>
+            </a:r>
+            <a:r>
+              <a:rPr kumimoji="0" lang="nl-NL" altLang="nl-NL" sz="1400" b="0" i="0" u="none" strike="noStrike" cap="none" normalizeH="0" baseline="0" dirty="0" err="1">
                 <a:ln>
                   <a:noFill/>
                 </a:ln>
@@ -8417,7 +9353,7 @@
               <a:t>projects</a:t>
             </a:r>
             <a:r>
-              <a:rPr kumimoji="0" lang="nl-NL" altLang="nl-NL" sz="1600" b="0" i="0" u="none" strike="noStrike" cap="none" normalizeH="0" baseline="0" dirty="0">
+              <a:rPr kumimoji="0" lang="nl-NL" altLang="nl-NL" sz="1400" b="0" i="0" u="none" strike="noStrike" cap="none" normalizeH="0" baseline="0" dirty="0">
                 <a:ln>
                   <a:noFill/>
                 </a:ln>
@@ -8431,7 +9367,7 @@
               </a:rPr>
               <a:t>.</a:t>
             </a:r>
-            <a:endParaRPr kumimoji="0" lang="nl-NL" altLang="nl-NL" sz="1050" b="0" i="0" u="none" strike="noStrike" cap="none" normalizeH="0" baseline="0" dirty="0">
+            <a:endParaRPr kumimoji="0" lang="nl-NL" altLang="nl-NL" sz="1400" b="0" i="0" u="none" strike="noStrike" cap="none" normalizeH="0" baseline="0" dirty="0">
               <a:ln>
                 <a:noFill/>
               </a:ln>
@@ -8459,7 +9395,7 @@
               <a:tabLst/>
             </a:pPr>
             <a:r>
-              <a:rPr kumimoji="0" lang="nl-NL" altLang="nl-NL" sz="1600" b="0" i="1" u="none" strike="noStrike" cap="none" normalizeH="0" baseline="0" dirty="0">
+              <a:rPr kumimoji="0" lang="nl-NL" altLang="nl-NL" sz="1400" b="0" i="1" u="none" strike="noStrike" cap="none" normalizeH="0" baseline="0" dirty="0">
                 <a:ln>
                   <a:noFill/>
                 </a:ln>
@@ -8474,7 +9410,7 @@
               <a:t>http://www.instructables.com/id/TESTED-Timekeeping-on-ESP8266-Arduino-Uno-WITHOUT-/</a:t>
             </a:r>
             <a:r>
-              <a:rPr kumimoji="0" lang="nl-NL" altLang="nl-NL" sz="1600" b="0" i="0" u="none" strike="noStrike" cap="none" normalizeH="0" baseline="0" dirty="0">
+              <a:rPr kumimoji="0" lang="nl-NL" altLang="nl-NL" sz="1400" b="0" i="0" u="none" strike="noStrike" cap="none" normalizeH="0" baseline="0" dirty="0">
                 <a:ln>
                   <a:noFill/>
                 </a:ln>
@@ -8489,7 +9425,7 @@
               <a:t>. (</a:t>
             </a:r>
             <a:r>
-              <a:rPr kumimoji="0" lang="nl-NL" altLang="nl-NL" sz="1600" b="0" i="0" u="none" strike="noStrike" cap="none" normalizeH="0" baseline="0" dirty="0" err="1">
+              <a:rPr kumimoji="0" lang="nl-NL" altLang="nl-NL" sz="1400" b="0" i="0" u="none" strike="noStrike" cap="none" normalizeH="0" baseline="0" dirty="0" err="1">
                 <a:ln>
                   <a:noFill/>
                 </a:ln>
@@ -8504,7 +9440,7 @@
               <a:t>sd</a:t>
             </a:r>
             <a:r>
-              <a:rPr kumimoji="0" lang="nl-NL" altLang="nl-NL" sz="1600" b="0" i="0" u="none" strike="noStrike" cap="none" normalizeH="0" baseline="0" dirty="0">
+              <a:rPr kumimoji="0" lang="nl-NL" altLang="nl-NL" sz="1400" b="0" i="0" u="none" strike="noStrike" cap="none" normalizeH="0" baseline="0" dirty="0">
                 <a:ln>
                   <a:noFill/>
                 </a:ln>
@@ -8516,10 +9452,10 @@
                 <a:ea typeface="Calibri" panose="020F0502020204030204" pitchFamily="34" charset="0"/>
                 <a:cs typeface="Times New Roman" panose="02020603050405020304" pitchFamily="18" charset="0"/>
               </a:rPr>
-              <a:t>). 	Opgehaald van </a:t>
-            </a:r>
-            <a:r>
-              <a:rPr kumimoji="0" lang="nl-NL" altLang="nl-NL" sz="1600" b="0" i="0" u="none" strike="noStrike" cap="none" normalizeH="0" baseline="0" dirty="0" err="1">
+              <a:t>). Opgehaald van </a:t>
+            </a:r>
+            <a:r>
+              <a:rPr kumimoji="0" lang="nl-NL" altLang="nl-NL" sz="1400" b="0" i="0" u="none" strike="noStrike" cap="none" normalizeH="0" baseline="0" dirty="0" err="1">
                 <a:ln>
                   <a:noFill/>
                 </a:ln>
@@ -8534,7 +9470,7 @@
               <a:t>Instructables</a:t>
             </a:r>
             <a:r>
-              <a:rPr kumimoji="0" lang="nl-NL" altLang="nl-NL" sz="1600" b="0" i="0" u="none" strike="noStrike" cap="none" normalizeH="0" baseline="0" dirty="0">
+              <a:rPr kumimoji="0" lang="nl-NL" altLang="nl-NL" sz="1400" b="0" i="0" u="none" strike="noStrike" cap="none" normalizeH="0" baseline="0" dirty="0">
                 <a:ln>
                   <a:noFill/>
                 </a:ln>
@@ -8548,7 +9484,7 @@
               </a:rPr>
               <a:t>.</a:t>
             </a:r>
-            <a:endParaRPr kumimoji="0" lang="nl-NL" altLang="nl-NL" sz="1050" b="0" i="0" u="none" strike="noStrike" cap="none" normalizeH="0" baseline="0" dirty="0">
+            <a:endParaRPr kumimoji="0" lang="nl-NL" altLang="nl-NL" sz="1400" b="0" i="0" u="none" strike="noStrike" cap="none" normalizeH="0" baseline="0" dirty="0">
               <a:ln>
                 <a:noFill/>
               </a:ln>
@@ -8576,7 +9512,7 @@
               <a:tabLst/>
             </a:pPr>
             <a:r>
-              <a:rPr kumimoji="0" lang="nl-NL" altLang="nl-NL" sz="1600" b="0" i="1" u="none" strike="noStrike" cap="none" normalizeH="0" baseline="0" dirty="0">
+              <a:rPr kumimoji="0" lang="nl-NL" altLang="nl-NL" sz="1400" b="0" i="1" u="none" strike="noStrike" cap="none" normalizeH="0" baseline="0" dirty="0">
                 <a:ln>
                   <a:noFill/>
                 </a:ln>
@@ -8591,7 +9527,7 @@
               <a:t>http://www.reuk.co.uk/wordpress/accurate-ds3231-real-time-clock-as-alternative-to-ds1307/</a:t>
             </a:r>
             <a:r>
-              <a:rPr kumimoji="0" lang="nl-NL" altLang="nl-NL" sz="1600" b="0" i="0" u="none" strike="noStrike" cap="none" normalizeH="0" baseline="0" dirty="0">
+              <a:rPr kumimoji="0" lang="nl-NL" altLang="nl-NL" sz="1400" b="0" i="0" u="none" strike="noStrike" cap="none" normalizeH="0" baseline="0" dirty="0">
                 <a:ln>
                   <a:noFill/>
                 </a:ln>
@@ -8606,7 +9542,7 @@
               <a:t>. (</a:t>
             </a:r>
             <a:r>
-              <a:rPr kumimoji="0" lang="nl-NL" altLang="nl-NL" sz="1600" b="0" i="0" u="none" strike="noStrike" cap="none" normalizeH="0" baseline="0" dirty="0" err="1">
+              <a:rPr kumimoji="0" lang="nl-NL" altLang="nl-NL" sz="1400" b="0" i="0" u="none" strike="noStrike" cap="none" normalizeH="0" baseline="0" dirty="0" err="1">
                 <a:ln>
                   <a:noFill/>
                 </a:ln>
@@ -8621,7 +9557,7 @@
               <a:t>sd</a:t>
             </a:r>
             <a:r>
-              <a:rPr kumimoji="0" lang="nl-NL" altLang="nl-NL" sz="1600" b="0" i="0" u="none" strike="noStrike" cap="none" normalizeH="0" baseline="0" dirty="0">
+              <a:rPr kumimoji="0" lang="nl-NL" altLang="nl-NL" sz="1400" b="0" i="0" u="none" strike="noStrike" cap="none" normalizeH="0" baseline="0" dirty="0">
                 <a:ln>
                   <a:noFill/>
                 </a:ln>
@@ -8633,9 +9569,9 @@
                 <a:ea typeface="Calibri" panose="020F0502020204030204" pitchFamily="34" charset="0"/>
                 <a:cs typeface="Times New Roman" panose="02020603050405020304" pitchFamily="18" charset="0"/>
               </a:rPr>
-              <a:t>). 	Opgehaald van reuk.co.</a:t>
-            </a:r>
-            <a:endParaRPr kumimoji="0" lang="nl-NL" altLang="nl-NL" sz="1050" b="0" i="0" u="none" strike="noStrike" cap="none" normalizeH="0" baseline="0" dirty="0">
+              <a:t>). Opgehaald van reuk.co.</a:t>
+            </a:r>
+            <a:endParaRPr kumimoji="0" lang="nl-NL" altLang="nl-NL" sz="1400" b="0" i="0" u="none" strike="noStrike" cap="none" normalizeH="0" baseline="0" dirty="0">
               <a:ln>
                 <a:noFill/>
               </a:ln>
@@ -8663,7 +9599,7 @@
               <a:tabLst/>
             </a:pPr>
             <a:r>
-              <a:rPr kumimoji="0" lang="nl-NL" altLang="nl-NL" sz="1600" b="0" i="1" u="none" strike="noStrike" cap="none" normalizeH="0" baseline="0" dirty="0">
+              <a:rPr kumimoji="0" lang="nl-NL" altLang="nl-NL" sz="1400" b="0" i="1" u="none" strike="noStrike" cap="none" normalizeH="0" baseline="0" dirty="0">
                 <a:ln>
                   <a:noFill/>
                 </a:ln>
@@ -8678,7 +9614,7 @@
               <a:t>https://hackerstore.nl/Artikel/233</a:t>
             </a:r>
             <a:r>
-              <a:rPr kumimoji="0" lang="nl-NL" altLang="nl-NL" sz="1600" b="0" i="0" u="none" strike="noStrike" cap="none" normalizeH="0" baseline="0" dirty="0">
+              <a:rPr kumimoji="0" lang="nl-NL" altLang="nl-NL" sz="1400" b="0" i="0" u="none" strike="noStrike" cap="none" normalizeH="0" baseline="0" dirty="0">
                 <a:ln>
                   <a:noFill/>
                 </a:ln>
@@ -8693,7 +9629,7 @@
               <a:t>. (</a:t>
             </a:r>
             <a:r>
-              <a:rPr kumimoji="0" lang="nl-NL" altLang="nl-NL" sz="1600" b="0" i="0" u="none" strike="noStrike" cap="none" normalizeH="0" baseline="0" dirty="0" err="1">
+              <a:rPr kumimoji="0" lang="nl-NL" altLang="nl-NL" sz="1400" b="0" i="0" u="none" strike="noStrike" cap="none" normalizeH="0" baseline="0" dirty="0" err="1">
                 <a:ln>
                   <a:noFill/>
                 </a:ln>
@@ -8708,7 +9644,7 @@
               <a:t>sd</a:t>
             </a:r>
             <a:r>
-              <a:rPr kumimoji="0" lang="nl-NL" altLang="nl-NL" sz="1600" b="0" i="0" u="none" strike="noStrike" cap="none" normalizeH="0" baseline="0" dirty="0">
+              <a:rPr kumimoji="0" lang="nl-NL" altLang="nl-NL" sz="1400" b="0" i="0" u="none" strike="noStrike" cap="none" normalizeH="0" baseline="0" dirty="0">
                 <a:ln>
                   <a:noFill/>
                 </a:ln>
@@ -8722,7 +9658,7 @@
               </a:rPr>
               <a:t>). Opgehaald van Hackerstore.</a:t>
             </a:r>
-            <a:endParaRPr kumimoji="0" lang="nl-NL" altLang="nl-NL" sz="1050" b="0" i="0" u="none" strike="noStrike" cap="none" normalizeH="0" baseline="0" dirty="0">
+            <a:endParaRPr kumimoji="0" lang="nl-NL" altLang="nl-NL" sz="1400" b="0" i="0" u="none" strike="noStrike" cap="none" normalizeH="0" baseline="0" dirty="0">
               <a:ln>
                 <a:noFill/>
               </a:ln>
@@ -8750,7 +9686,7 @@
               <a:tabLst/>
             </a:pPr>
             <a:r>
-              <a:rPr kumimoji="0" lang="nl-NL" altLang="nl-NL" sz="1600" b="0" i="1" u="none" strike="noStrike" cap="none" normalizeH="0" baseline="0" dirty="0">
+              <a:rPr kumimoji="0" lang="nl-NL" altLang="nl-NL" sz="1400" b="0" i="1" u="none" strike="noStrike" cap="none" normalizeH="0" baseline="0" dirty="0">
                 <a:ln>
                   <a:noFill/>
                 </a:ln>
@@ -8765,7 +9701,7 @@
               <a:t>https://learn.adafruit.com/ds1307-real-time-clock-breakout-board-kit/what-is-an-rtc </a:t>
             </a:r>
             <a:r>
-              <a:rPr kumimoji="0" lang="nl-NL" altLang="nl-NL" sz="1600" b="0" i="0" u="none" strike="noStrike" cap="none" normalizeH="0" baseline="0" dirty="0">
+              <a:rPr kumimoji="0" lang="nl-NL" altLang="nl-NL" sz="1400" b="0" i="0" u="none" strike="noStrike" cap="none" normalizeH="0" baseline="0" dirty="0">
                 <a:ln>
                   <a:noFill/>
                 </a:ln>
@@ -8780,7 +9716,7 @@
               <a:t>. (</a:t>
             </a:r>
             <a:r>
-              <a:rPr kumimoji="0" lang="nl-NL" altLang="nl-NL" sz="1600" b="0" i="0" u="none" strike="noStrike" cap="none" normalizeH="0" baseline="0" dirty="0" err="1">
+              <a:rPr kumimoji="0" lang="nl-NL" altLang="nl-NL" sz="1400" b="0" i="0" u="none" strike="noStrike" cap="none" normalizeH="0" baseline="0" dirty="0" err="1">
                 <a:ln>
                   <a:noFill/>
                 </a:ln>
@@ -8795,7 +9731,7 @@
               <a:t>sd</a:t>
             </a:r>
             <a:r>
-              <a:rPr kumimoji="0" lang="nl-NL" altLang="nl-NL" sz="1600" b="0" i="0" u="none" strike="noStrike" cap="none" normalizeH="0" baseline="0" dirty="0">
+              <a:rPr kumimoji="0" lang="nl-NL" altLang="nl-NL" sz="1400" b="0" i="0" u="none" strike="noStrike" cap="none" normalizeH="0" baseline="0" dirty="0">
                 <a:ln>
                   <a:noFill/>
                 </a:ln>
@@ -8807,9 +9743,9 @@
                 <a:ea typeface="Calibri" panose="020F0502020204030204" pitchFamily="34" charset="0"/>
                 <a:cs typeface="Times New Roman" panose="02020603050405020304" pitchFamily="18" charset="0"/>
               </a:rPr>
-              <a:t>). Opgehaald 	van Adafruit.</a:t>
-            </a:r>
-            <a:endParaRPr kumimoji="0" lang="nl-NL" altLang="nl-NL" sz="1050" b="0" i="0" u="none" strike="noStrike" cap="none" normalizeH="0" baseline="0" dirty="0">
+              <a:t>). Opgehaald van Adafruit.</a:t>
+            </a:r>
+            <a:endParaRPr kumimoji="0" lang="nl-NL" altLang="nl-NL" sz="1400" b="0" i="0" u="none" strike="noStrike" cap="none" normalizeH="0" baseline="0" dirty="0">
               <a:ln>
                 <a:noFill/>
               </a:ln>
@@ -8837,7 +9773,7 @@
               <a:tabLst/>
             </a:pPr>
             <a:r>
-              <a:rPr kumimoji="0" lang="nl-NL" altLang="nl-NL" sz="1600" b="0" i="1" u="none" strike="noStrike" cap="none" normalizeH="0" baseline="0" dirty="0">
+              <a:rPr kumimoji="0" lang="nl-NL" altLang="nl-NL" sz="1400" b="0" i="1" u="none" strike="noStrike" cap="none" normalizeH="0" baseline="0" dirty="0">
                 <a:ln>
                   <a:noFill/>
                 </a:ln>
@@ -8852,7 +9788,7 @@
               <a:t>https://www.arduino.cc/en/Reference/RTC</a:t>
             </a:r>
             <a:r>
-              <a:rPr kumimoji="0" lang="nl-NL" altLang="nl-NL" sz="1600" b="0" i="0" u="none" strike="noStrike" cap="none" normalizeH="0" baseline="0" dirty="0">
+              <a:rPr kumimoji="0" lang="nl-NL" altLang="nl-NL" sz="1400" b="0" i="0" u="none" strike="noStrike" cap="none" normalizeH="0" baseline="0" dirty="0">
                 <a:ln>
                   <a:noFill/>
                 </a:ln>
@@ -8867,7 +9803,7 @@
               <a:t>. (</a:t>
             </a:r>
             <a:r>
-              <a:rPr kumimoji="0" lang="nl-NL" altLang="nl-NL" sz="1600" b="0" i="0" u="none" strike="noStrike" cap="none" normalizeH="0" baseline="0" dirty="0" err="1">
+              <a:rPr kumimoji="0" lang="nl-NL" altLang="nl-NL" sz="1400" b="0" i="0" u="none" strike="noStrike" cap="none" normalizeH="0" baseline="0" dirty="0" err="1">
                 <a:ln>
                   <a:noFill/>
                 </a:ln>
@@ -8882,7 +9818,7 @@
               <a:t>sd</a:t>
             </a:r>
             <a:r>
-              <a:rPr kumimoji="0" lang="nl-NL" altLang="nl-NL" sz="1600" b="0" i="0" u="none" strike="noStrike" cap="none" normalizeH="0" baseline="0" dirty="0">
+              <a:rPr kumimoji="0" lang="nl-NL" altLang="nl-NL" sz="1400" b="0" i="0" u="none" strike="noStrike" cap="none" normalizeH="0" baseline="0" dirty="0">
                 <a:ln>
                   <a:noFill/>
                 </a:ln>
@@ -8897,7 +9833,7 @@
               <a:t>). Opgehaald van </a:t>
             </a:r>
             <a:r>
-              <a:rPr kumimoji="0" lang="nl-NL" altLang="nl-NL" sz="1600" b="0" i="0" u="none" strike="noStrike" cap="none" normalizeH="0" baseline="0" dirty="0" err="1">
+              <a:rPr kumimoji="0" lang="nl-NL" altLang="nl-NL" sz="1400" b="0" i="0" u="none" strike="noStrike" cap="none" normalizeH="0" baseline="0" dirty="0" err="1">
                 <a:ln>
                   <a:noFill/>
                 </a:ln>
@@ -8912,7 +9848,7 @@
               <a:t>Arduino</a:t>
             </a:r>
             <a:r>
-              <a:rPr kumimoji="0" lang="nl-NL" altLang="nl-NL" sz="1600" b="0" i="0" u="none" strike="noStrike" cap="none" normalizeH="0" baseline="0" dirty="0">
+              <a:rPr kumimoji="0" lang="nl-NL" altLang="nl-NL" sz="1400" b="0" i="0" u="none" strike="noStrike" cap="none" normalizeH="0" baseline="0" dirty="0">
                 <a:ln>
                   <a:noFill/>
                 </a:ln>
@@ -8926,7 +9862,7 @@
               </a:rPr>
               <a:t> Reference.</a:t>
             </a:r>
-            <a:endParaRPr kumimoji="0" lang="nl-NL" altLang="nl-NL" sz="1050" b="0" i="0" u="none" strike="noStrike" cap="none" normalizeH="0" baseline="0" dirty="0">
+            <a:endParaRPr kumimoji="0" lang="nl-NL" altLang="nl-NL" sz="1400" b="0" i="0" u="none" strike="noStrike" cap="none" normalizeH="0" baseline="0" dirty="0">
               <a:ln>
                 <a:noFill/>
               </a:ln>
@@ -8954,7 +9890,7 @@
               <a:tabLst/>
             </a:pPr>
             <a:r>
-              <a:rPr kumimoji="0" lang="nl-NL" altLang="nl-NL" sz="1600" b="0" i="1" u="none" strike="noStrike" cap="none" normalizeH="0" baseline="0" dirty="0">
+              <a:rPr kumimoji="0" lang="nl-NL" altLang="nl-NL" sz="1400" b="0" i="1" u="none" strike="noStrike" cap="none" normalizeH="0" baseline="0" dirty="0">
                 <a:ln>
                   <a:noFill/>
                 </a:ln>
@@ -8966,10 +9902,10 @@
                 <a:ea typeface="Calibri" panose="020F0502020204030204" pitchFamily="34" charset="0"/>
                 <a:cs typeface="Times New Roman" panose="02020603050405020304" pitchFamily="18" charset="0"/>
               </a:rPr>
-              <a:t>https://www.distrelec.nl/nl/arduino-wifi-shield-a000058-arduino-a000058</a:t>
-            </a:r>
-            <a:r>
-              <a:rPr kumimoji="0" lang="nl-NL" altLang="nl-NL" sz="1600" b="0" i="0" u="none" strike="noStrike" cap="none" normalizeH="0" baseline="0" dirty="0">
+              <a:t>https://www.distrelec.nl/nl/arduino-wifi-shield-a000058-arduino-a000058/p</a:t>
+            </a:r>
+            <a:r>
+              <a:rPr kumimoji="0" lang="nl-NL" altLang="nl-NL" sz="1400" b="0" i="0" u="none" strike="noStrike" cap="none" normalizeH="0" baseline="0" dirty="0">
                 <a:ln>
                   <a:noFill/>
                 </a:ln>
@@ -8984,7 +9920,7 @@
               <a:t>. (</a:t>
             </a:r>
             <a:r>
-              <a:rPr kumimoji="0" lang="nl-NL" altLang="nl-NL" sz="1600" b="0" i="0" u="none" strike="noStrike" cap="none" normalizeH="0" baseline="0" dirty="0" err="1">
+              <a:rPr kumimoji="0" lang="nl-NL" altLang="nl-NL" sz="1400" b="0" i="0" u="none" strike="noStrike" cap="none" normalizeH="0" baseline="0" dirty="0" err="1">
                 <a:ln>
                   <a:noFill/>
                 </a:ln>
@@ -8999,7 +9935,7 @@
               <a:t>sd</a:t>
             </a:r>
             <a:r>
-              <a:rPr kumimoji="0" lang="nl-NL" altLang="nl-NL" sz="1600" b="0" i="0" u="none" strike="noStrike" cap="none" normalizeH="0" baseline="0" dirty="0">
+              <a:rPr kumimoji="0" lang="nl-NL" altLang="nl-NL" sz="1400" b="0" i="0" u="none" strike="noStrike" cap="none" normalizeH="0" baseline="0" dirty="0">
                 <a:ln>
                   <a:noFill/>
                 </a:ln>
@@ -9011,10 +9947,10 @@
                 <a:ea typeface="Calibri" panose="020F0502020204030204" pitchFamily="34" charset="0"/>
                 <a:cs typeface="Times New Roman" panose="02020603050405020304" pitchFamily="18" charset="0"/>
               </a:rPr>
-              <a:t>). Opgehaald van 	</a:t>
-            </a:r>
-            <a:r>
-              <a:rPr kumimoji="0" lang="nl-NL" altLang="nl-NL" sz="1600" b="0" i="0" u="none" strike="noStrike" cap="none" normalizeH="0" baseline="0" dirty="0" err="1">
+              <a:t>). Opgehaald van </a:t>
+            </a:r>
+            <a:r>
+              <a:rPr kumimoji="0" lang="nl-NL" altLang="nl-NL" sz="1400" b="0" i="0" u="none" strike="noStrike" cap="none" normalizeH="0" baseline="0" dirty="0" err="1">
                 <a:ln>
                   <a:noFill/>
                 </a:ln>
@@ -9029,7 +9965,7 @@
               <a:t>Distrelec</a:t>
             </a:r>
             <a:r>
-              <a:rPr kumimoji="0" lang="nl-NL" altLang="nl-NL" sz="1600" b="0" i="0" u="none" strike="noStrike" cap="none" normalizeH="0" baseline="0" dirty="0">
+              <a:rPr kumimoji="0" lang="nl-NL" altLang="nl-NL" sz="1400" b="0" i="0" u="none" strike="noStrike" cap="none" normalizeH="0" baseline="0" dirty="0">
                 <a:ln>
                   <a:noFill/>
                 </a:ln>
@@ -9043,7 +9979,7 @@
               </a:rPr>
               <a:t>.</a:t>
             </a:r>
-            <a:endParaRPr kumimoji="0" lang="nl-NL" altLang="nl-NL" sz="1050" b="0" i="0" u="none" strike="noStrike" cap="none" normalizeH="0" baseline="0" dirty="0">
+            <a:endParaRPr kumimoji="0" lang="nl-NL" altLang="nl-NL" sz="1400" b="0" i="0" u="none" strike="noStrike" cap="none" normalizeH="0" baseline="0" dirty="0">
               <a:ln>
                 <a:noFill/>
               </a:ln>
@@ -9071,7 +10007,7 @@
               <a:tabLst/>
             </a:pPr>
             <a:r>
-              <a:rPr kumimoji="0" lang="nl-NL" altLang="nl-NL" sz="1600" b="0" i="1" u="none" strike="noStrike" cap="none" normalizeH="0" baseline="0" dirty="0">
+              <a:rPr kumimoji="0" lang="nl-NL" altLang="nl-NL" sz="1400" b="0" i="1" u="none" strike="noStrike" cap="none" normalizeH="0" baseline="0" dirty="0">
                 <a:ln>
                   <a:noFill/>
                 </a:ln>
@@ -9086,7 +10022,7 @@
               <a:t>https://www.vanallesenmeer.nl/Real-Time-Clock-DS3231-RTC-Klok-module</a:t>
             </a:r>
             <a:r>
-              <a:rPr kumimoji="0" lang="nl-NL" altLang="nl-NL" sz="1600" b="0" i="0" u="none" strike="noStrike" cap="none" normalizeH="0" baseline="0" dirty="0">
+              <a:rPr kumimoji="0" lang="nl-NL" altLang="nl-NL" sz="1400" b="0" i="0" u="none" strike="noStrike" cap="none" normalizeH="0" baseline="0" dirty="0">
                 <a:ln>
                   <a:noFill/>
                 </a:ln>
@@ -9101,7 +10037,7 @@
               <a:t>. (</a:t>
             </a:r>
             <a:r>
-              <a:rPr kumimoji="0" lang="nl-NL" altLang="nl-NL" sz="1600" b="0" i="0" u="none" strike="noStrike" cap="none" normalizeH="0" baseline="0" dirty="0" err="1">
+              <a:rPr kumimoji="0" lang="nl-NL" altLang="nl-NL" sz="1400" b="0" i="0" u="none" strike="noStrike" cap="none" normalizeH="0" baseline="0" dirty="0" err="1">
                 <a:ln>
                   <a:noFill/>
                 </a:ln>
@@ -9116,7 +10052,7 @@
               <a:t>sd</a:t>
             </a:r>
             <a:r>
-              <a:rPr kumimoji="0" lang="nl-NL" altLang="nl-NL" sz="1600" b="0" i="0" u="none" strike="noStrike" cap="none" normalizeH="0" baseline="0" dirty="0">
+              <a:rPr kumimoji="0" lang="nl-NL" altLang="nl-NL" sz="1400" b="0" i="0" u="none" strike="noStrike" cap="none" normalizeH="0" baseline="0" dirty="0">
                 <a:ln>
                   <a:noFill/>
                 </a:ln>
@@ -9128,10 +10064,10 @@
                 <a:ea typeface="Calibri" panose="020F0502020204030204" pitchFamily="34" charset="0"/>
                 <a:cs typeface="Times New Roman" panose="02020603050405020304" pitchFamily="18" charset="0"/>
               </a:rPr>
-              <a:t>). Opgehaald van 	</a:t>
-            </a:r>
-            <a:r>
-              <a:rPr kumimoji="0" lang="nl-NL" altLang="nl-NL" sz="1600" b="0" i="0" u="none" strike="noStrike" cap="none" normalizeH="0" baseline="0" dirty="0" err="1">
+              <a:t>). Opgehaald van </a:t>
+            </a:r>
+            <a:r>
+              <a:rPr kumimoji="0" lang="nl-NL" altLang="nl-NL" sz="1400" b="0" i="0" u="none" strike="noStrike" cap="none" normalizeH="0" baseline="0" dirty="0" err="1">
                 <a:ln>
                   <a:noFill/>
                 </a:ln>
@@ -9146,7 +10082,7 @@
               <a:t>vanallesenmeer</a:t>
             </a:r>
             <a:r>
-              <a:rPr kumimoji="0" lang="nl-NL" altLang="nl-NL" sz="1600" b="0" i="0" u="none" strike="noStrike" cap="none" normalizeH="0" baseline="0" dirty="0">
+              <a:rPr kumimoji="0" lang="nl-NL" altLang="nl-NL" sz="1400" b="0" i="0" u="none" strike="noStrike" cap="none" normalizeH="0" baseline="0" dirty="0">
                 <a:ln>
                   <a:noFill/>
                 </a:ln>
@@ -9160,7 +10096,109 @@
               </a:rPr>
               <a:t>.</a:t>
             </a:r>
-            <a:endParaRPr kumimoji="0" lang="nl-NL" altLang="nl-NL" sz="1050" b="0" i="0" u="none" strike="noStrike" cap="none" normalizeH="0" baseline="0" dirty="0">
+            <a:endParaRPr kumimoji="0" lang="nl-NL" altLang="nl-NL" sz="1400" b="0" i="0" u="none" strike="noStrike" cap="none" normalizeH="0" baseline="0" dirty="0">
+              <a:ln>
+                <a:noFill/>
+              </a:ln>
+              <a:solidFill>
+                <a:schemeClr val="tx1"/>
+              </a:solidFill>
+              <a:effectLst/>
+            </a:endParaRPr>
+          </a:p>
+          <a:p>
+            <a:pPr marL="0" marR="0" lvl="0" indent="0" algn="l" defTabSz="914400" rtl="0" eaLnBrk="0" fontAlgn="base" latinLnBrk="0" hangingPunct="0">
+              <a:lnSpc>
+                <a:spcPct val="100000"/>
+              </a:lnSpc>
+              <a:spcBef>
+                <a:spcPct val="0"/>
+              </a:spcBef>
+              <a:spcAft>
+                <a:spcPct val="0"/>
+              </a:spcAft>
+              <a:buClrTx/>
+              <a:buSzTx/>
+              <a:buFontTx/>
+              <a:buNone/>
+              <a:tabLst/>
+            </a:pPr>
+            <a:r>
+              <a:rPr kumimoji="0" lang="nl-NL" altLang="nl-NL" sz="1400" b="0" i="1" u="none" strike="noStrike" cap="none" normalizeH="0" baseline="0" dirty="0">
+                <a:ln>
+                  <a:noFill/>
+                </a:ln>
+                <a:solidFill>
+                  <a:schemeClr val="tx1"/>
+                </a:solidFill>
+                <a:effectLst/>
+                <a:latin typeface="Calibri" panose="020F0502020204030204" pitchFamily="34" charset="0"/>
+                <a:ea typeface="Calibri" panose="020F0502020204030204" pitchFamily="34" charset="0"/>
+                <a:cs typeface="Times New Roman" panose="02020603050405020304" pitchFamily="18" charset="0"/>
+              </a:rPr>
+              <a:t>Real-Time-</a:t>
+            </a:r>
+            <a:r>
+              <a:rPr kumimoji="0" lang="nl-NL" altLang="nl-NL" sz="1400" b="0" i="1" u="none" strike="noStrike" cap="none" normalizeH="0" baseline="0" dirty="0" err="1">
+                <a:ln>
+                  <a:noFill/>
+                </a:ln>
+                <a:solidFill>
+                  <a:schemeClr val="tx1"/>
+                </a:solidFill>
+                <a:effectLst/>
+                <a:latin typeface="Calibri" panose="020F0502020204030204" pitchFamily="34" charset="0"/>
+                <a:ea typeface="Calibri" panose="020F0502020204030204" pitchFamily="34" charset="0"/>
+                <a:cs typeface="Times New Roman" panose="02020603050405020304" pitchFamily="18" charset="0"/>
+              </a:rPr>
+              <a:t>Clock</a:t>
+            </a:r>
+            <a:r>
+              <a:rPr kumimoji="0" lang="nl-NL" altLang="nl-NL" sz="1400" b="0" i="0" u="none" strike="noStrike" cap="none" normalizeH="0" baseline="0" dirty="0">
+                <a:ln>
+                  <a:noFill/>
+                </a:ln>
+                <a:solidFill>
+                  <a:schemeClr val="tx1"/>
+                </a:solidFill>
+                <a:effectLst/>
+                <a:latin typeface="Calibri" panose="020F0502020204030204" pitchFamily="34" charset="0"/>
+                <a:ea typeface="Calibri" panose="020F0502020204030204" pitchFamily="34" charset="0"/>
+                <a:cs typeface="Times New Roman" panose="02020603050405020304" pitchFamily="18" charset="0"/>
+              </a:rPr>
+              <a:t>. (</a:t>
+            </a:r>
+            <a:r>
+              <a:rPr kumimoji="0" lang="nl-NL" altLang="nl-NL" sz="1400" b="0" i="0" u="none" strike="noStrike" cap="none" normalizeH="0" baseline="0" dirty="0" err="1">
+                <a:ln>
+                  <a:noFill/>
+                </a:ln>
+                <a:solidFill>
+                  <a:schemeClr val="tx1"/>
+                </a:solidFill>
+                <a:effectLst/>
+                <a:latin typeface="Calibri" panose="020F0502020204030204" pitchFamily="34" charset="0"/>
+                <a:ea typeface="Calibri" panose="020F0502020204030204" pitchFamily="34" charset="0"/>
+                <a:cs typeface="Times New Roman" panose="02020603050405020304" pitchFamily="18" charset="0"/>
+              </a:rPr>
+              <a:t>sd</a:t>
+            </a:r>
+            <a:r>
+              <a:rPr kumimoji="0" lang="nl-NL" altLang="nl-NL" sz="1400" b="0" i="0" u="none" strike="noStrike" cap="none" normalizeH="0" baseline="0" dirty="0">
+                <a:ln>
+                  <a:noFill/>
+                </a:ln>
+                <a:solidFill>
+                  <a:schemeClr val="tx1"/>
+                </a:solidFill>
+                <a:effectLst/>
+                <a:latin typeface="Calibri" panose="020F0502020204030204" pitchFamily="34" charset="0"/>
+                <a:ea typeface="Calibri" panose="020F0502020204030204" pitchFamily="34" charset="0"/>
+                <a:cs typeface="Times New Roman" panose="02020603050405020304" pitchFamily="18" charset="0"/>
+              </a:rPr>
+              <a:t>). Opgehaald van Wikipedia: https://en.wikipedia.org/wiki/Real-time_clock</a:t>
+            </a:r>
+            <a:endParaRPr kumimoji="0" lang="nl-NL" altLang="nl-NL" sz="1400" b="0" i="0" u="none" strike="noStrike" cap="none" normalizeH="0" baseline="0" dirty="0">
               <a:ln>
                 <a:noFill/>
               </a:ln>
